--- a/80.reference/자바/20210402_컴퓨터네트워크개요.pptx
+++ b/80.reference/자바/20210402_컴퓨터네트워크개요.pptx
@@ -1,73 +1,47 @@
 
 <file path=ppt/presentation.xml><?xml version="1.0" encoding="utf-8"?>
-<p:presentation xmlns:a="http://schemas.openxmlformats.org/drawingml/2006/main" xmlns:r="http://schemas.openxmlformats.org/officeDocument/2006/relationships" xmlns:p="http://schemas.openxmlformats.org/presentationml/2006/main" embedTrueTypeFonts="1" saveSubsetFonts="1">
+<p:presentation xmlns:r="http://schemas.openxmlformats.org/officeDocument/2006/relationships" xmlns:c="http://schemas.openxmlformats.org/drawingml/2006/chart" xmlns:a="http://schemas.openxmlformats.org/drawingml/2006/main" xmlns:dgm="http://schemas.openxmlformats.org/drawingml/2006/diagram" xmlns:dsp="http://schemas.microsoft.com/office/drawing/2008/diagram" xmlns:p="http://schemas.openxmlformats.org/presentationml/2006/main">
   <p:sldMasterIdLst>
-    <p:sldMasterId id="2147484285" r:id="rId1"/>
+    <p:sldMasterId id="2147484581" r:id="rId1"/>
   </p:sldMasterIdLst>
   <p:notesMasterIdLst>
-    <p:notesMasterId r:id="rId30"/>
+    <p:notesMasterId r:id="rId2"/>
   </p:notesMasterIdLst>
   <p:handoutMasterIdLst>
-    <p:handoutMasterId r:id="rId31"/>
+    <p:handoutMasterId r:id="rId3"/>
   </p:handoutMasterIdLst>
   <p:sldIdLst>
-    <p:sldId id="256" r:id="rId2"/>
-    <p:sldId id="587" r:id="rId3"/>
-    <p:sldId id="584" r:id="rId4"/>
-    <p:sldId id="598" r:id="rId5"/>
-    <p:sldId id="599" r:id="rId6"/>
-    <p:sldId id="585" r:id="rId7"/>
-    <p:sldId id="586" r:id="rId8"/>
-    <p:sldId id="588" r:id="rId9"/>
-    <p:sldId id="602" r:id="rId10"/>
-    <p:sldId id="603" r:id="rId11"/>
-    <p:sldId id="604" r:id="rId12"/>
-    <p:sldId id="605" r:id="rId13"/>
-    <p:sldId id="606" r:id="rId14"/>
-    <p:sldId id="607" r:id="rId15"/>
-    <p:sldId id="608" r:id="rId16"/>
-    <p:sldId id="611" r:id="rId17"/>
-    <p:sldId id="613" r:id="rId18"/>
-    <p:sldId id="589" r:id="rId19"/>
-    <p:sldId id="617" r:id="rId20"/>
-    <p:sldId id="618" r:id="rId21"/>
-    <p:sldId id="590" r:id="rId22"/>
-    <p:sldId id="591" r:id="rId23"/>
-    <p:sldId id="619" r:id="rId24"/>
-    <p:sldId id="592" r:id="rId25"/>
-    <p:sldId id="593" r:id="rId26"/>
-    <p:sldId id="594" r:id="rId27"/>
-    <p:sldId id="595" r:id="rId28"/>
-    <p:sldId id="275" r:id="rId29"/>
+    <p:sldId id="256" r:id="rId4"/>
+    <p:sldId id="587" r:id="rId5"/>
+    <p:sldId id="584" r:id="rId6"/>
+    <p:sldId id="598" r:id="rId7"/>
+    <p:sldId id="599" r:id="rId8"/>
+    <p:sldId id="585" r:id="rId9"/>
+    <p:sldId id="586" r:id="rId10"/>
+    <p:sldId id="588" r:id="rId11"/>
+    <p:sldId id="602" r:id="rId12"/>
+    <p:sldId id="603" r:id="rId13"/>
+    <p:sldId id="604" r:id="rId14"/>
+    <p:sldId id="605" r:id="rId15"/>
+    <p:sldId id="606" r:id="rId16"/>
+    <p:sldId id="607" r:id="rId17"/>
+    <p:sldId id="608" r:id="rId18"/>
+    <p:sldId id="611" r:id="rId19"/>
+    <p:sldId id="613" r:id="rId20"/>
+    <p:sldId id="589" r:id="rId21"/>
+    <p:sldId id="617" r:id="rId22"/>
+    <p:sldId id="618" r:id="rId23"/>
+    <p:sldId id="590" r:id="rId24"/>
+    <p:sldId id="591" r:id="rId25"/>
+    <p:sldId id="619" r:id="rId26"/>
+    <p:sldId id="592" r:id="rId27"/>
+    <p:sldId id="593" r:id="rId28"/>
+    <p:sldId id="594" r:id="rId29"/>
+    <p:sldId id="595" r:id="rId30"/>
+    <p:sldId id="275" r:id="rId31"/>
   </p:sldIdLst>
   <p:sldSz cx="9144000" cy="6858000" type="screen4x3"/>
   <p:notesSz cx="6797675" cy="9874250"/>
-  <p:embeddedFontLst>
-    <p:embeddedFont>
-      <p:font typeface="HY견고딕" panose="02030600000101010101" pitchFamily="18" charset="-127"/>
-      <p:regular r:id="rId32"/>
-    </p:embeddedFont>
-    <p:embeddedFont>
-      <p:font typeface="Verdana" panose="020B0604030504040204" pitchFamily="34" charset="0"/>
-      <p:regular r:id="rId33"/>
-      <p:bold r:id="rId34"/>
-      <p:italic r:id="rId35"/>
-      <p:boldItalic r:id="rId36"/>
-    </p:embeddedFont>
-    <p:embeddedFont>
-      <p:font typeface="맑은 고딕" panose="020B0503020000020004" pitchFamily="50" charset="-127"/>
-      <p:regular r:id="rId37"/>
-      <p:bold r:id="rId38"/>
-    </p:embeddedFont>
-    <p:embeddedFont>
-      <p:font typeface="HY헤드라인M" panose="02030600000101010101" pitchFamily="18" charset="-127"/>
-      <p:regular r:id="rId39"/>
-    </p:embeddedFont>
-    <p:embeddedFont>
-      <p:font typeface="HY얕은샘물M" panose="02030600000101010101" pitchFamily="18" charset="-127"/>
-      <p:regular r:id="rId40"/>
-    </p:embeddedFont>
-  </p:embeddedFontLst>
   <p:defaultTextStyle>
     <a:defPPr>
       <a:defRPr lang="en-US"/>
@@ -83,8 +57,8 @@
         <a:solidFill>
           <a:schemeClr val="tx1"/>
         </a:solidFill>
-        <a:latin typeface="돋움" panose="020B0600000101010101" pitchFamily="50" charset="-127"/>
-        <a:ea typeface="돋움" panose="020B0600000101010101" pitchFamily="50" charset="-127"/>
+        <a:latin typeface="돋움"/>
+        <a:ea typeface="돋움"/>
         <a:cs typeface="+mn-cs"/>
       </a:defRPr>
     </a:lvl1pPr>
@@ -99,8 +73,8 @@
         <a:solidFill>
           <a:schemeClr val="tx1"/>
         </a:solidFill>
-        <a:latin typeface="돋움" panose="020B0600000101010101" pitchFamily="50" charset="-127"/>
-        <a:ea typeface="돋움" panose="020B0600000101010101" pitchFamily="50" charset="-127"/>
+        <a:latin typeface="돋움"/>
+        <a:ea typeface="돋움"/>
         <a:cs typeface="+mn-cs"/>
       </a:defRPr>
     </a:lvl2pPr>
@@ -115,8 +89,8 @@
         <a:solidFill>
           <a:schemeClr val="tx1"/>
         </a:solidFill>
-        <a:latin typeface="돋움" panose="020B0600000101010101" pitchFamily="50" charset="-127"/>
-        <a:ea typeface="돋움" panose="020B0600000101010101" pitchFamily="50" charset="-127"/>
+        <a:latin typeface="돋움"/>
+        <a:ea typeface="돋움"/>
         <a:cs typeface="+mn-cs"/>
       </a:defRPr>
     </a:lvl3pPr>
@@ -131,8 +105,8 @@
         <a:solidFill>
           <a:schemeClr val="tx1"/>
         </a:solidFill>
-        <a:latin typeface="돋움" panose="020B0600000101010101" pitchFamily="50" charset="-127"/>
-        <a:ea typeface="돋움" panose="020B0600000101010101" pitchFamily="50" charset="-127"/>
+        <a:latin typeface="돋움"/>
+        <a:ea typeface="돋움"/>
         <a:cs typeface="+mn-cs"/>
       </a:defRPr>
     </a:lvl4pPr>
@@ -147,8 +121,8 @@
         <a:solidFill>
           <a:schemeClr val="tx1"/>
         </a:solidFill>
-        <a:latin typeface="돋움" panose="020B0600000101010101" pitchFamily="50" charset="-127"/>
-        <a:ea typeface="돋움" panose="020B0600000101010101" pitchFamily="50" charset="-127"/>
+        <a:latin typeface="돋움"/>
+        <a:ea typeface="돋움"/>
         <a:cs typeface="+mn-cs"/>
       </a:defRPr>
     </a:lvl5pPr>
@@ -157,8 +131,8 @@
         <a:solidFill>
           <a:schemeClr val="tx1"/>
         </a:solidFill>
-        <a:latin typeface="돋움" panose="020B0600000101010101" pitchFamily="50" charset="-127"/>
-        <a:ea typeface="돋움" panose="020B0600000101010101" pitchFamily="50" charset="-127"/>
+        <a:latin typeface="돋움"/>
+        <a:ea typeface="돋움"/>
         <a:cs typeface="+mn-cs"/>
       </a:defRPr>
     </a:lvl6pPr>
@@ -167,8 +141,8 @@
         <a:solidFill>
           <a:schemeClr val="tx1"/>
         </a:solidFill>
-        <a:latin typeface="돋움" panose="020B0600000101010101" pitchFamily="50" charset="-127"/>
-        <a:ea typeface="돋움" panose="020B0600000101010101" pitchFamily="50" charset="-127"/>
+        <a:latin typeface="돋움"/>
+        <a:ea typeface="돋움"/>
         <a:cs typeface="+mn-cs"/>
       </a:defRPr>
     </a:lvl7pPr>
@@ -177,8 +151,8 @@
         <a:solidFill>
           <a:schemeClr val="tx1"/>
         </a:solidFill>
-        <a:latin typeface="돋움" panose="020B0600000101010101" pitchFamily="50" charset="-127"/>
-        <a:ea typeface="돋움" panose="020B0600000101010101" pitchFamily="50" charset="-127"/>
+        <a:latin typeface="돋움"/>
+        <a:ea typeface="돋움"/>
         <a:cs typeface="+mn-cs"/>
       </a:defRPr>
     </a:lvl8pPr>
@@ -187,54 +161,23 @@
         <a:solidFill>
           <a:schemeClr val="tx1"/>
         </a:solidFill>
-        <a:latin typeface="돋움" panose="020B0600000101010101" pitchFamily="50" charset="-127"/>
-        <a:ea typeface="돋움" panose="020B0600000101010101" pitchFamily="50" charset="-127"/>
+        <a:latin typeface="돋움"/>
+        <a:ea typeface="돋움"/>
         <a:cs typeface="+mn-cs"/>
       </a:defRPr>
     </a:lvl9pPr>
   </p:defaultTextStyle>
-  <p:extLst>
-    <p:ext uri="{EFAFB233-063F-42B5-8137-9DF3F51BA10A}">
-      <p15:sldGuideLst xmlns:p15="http://schemas.microsoft.com/office/powerpoint/2012/main">
-        <p15:guide id="1" orient="horz" pos="3264" userDrawn="1">
-          <p15:clr>
-            <a:srgbClr val="A4A3A4"/>
-          </p15:clr>
-        </p15:guide>
-        <p15:guide id="2" pos="5088" userDrawn="1">
-          <p15:clr>
-            <a:srgbClr val="A4A3A4"/>
-          </p15:clr>
-        </p15:guide>
-      </p15:sldGuideLst>
-    </p:ext>
-    <p:ext uri="{2D200454-40CA-4A62-9FC3-DE9A4176ACB9}">
-      <p15:notesGuideLst xmlns:p15="http://schemas.microsoft.com/office/powerpoint/2012/main">
-        <p15:guide id="1" orient="horz" pos="3110">
-          <p15:clr>
-            <a:srgbClr val="A4A3A4"/>
-          </p15:clr>
-        </p15:guide>
-        <p15:guide id="2" pos="2141">
-          <p15:clr>
-            <a:srgbClr val="A4A3A4"/>
-          </p15:clr>
-        </p15:guide>
-      </p15:notesGuideLst>
-    </p:ext>
-  </p:extLst>
 </p:presentation>
 </file>
 
 <file path=ppt/handoutMasters/handoutMaster1.xml><?xml version="1.0" encoding="utf-8"?>
-<p:handoutMaster xmlns:a="http://schemas.openxmlformats.org/drawingml/2006/main" xmlns:r="http://schemas.openxmlformats.org/officeDocument/2006/relationships" xmlns:p="http://schemas.openxmlformats.org/presentationml/2006/main">
+<p:handoutMaster xmlns:r="http://schemas.openxmlformats.org/officeDocument/2006/relationships" xmlns:c="http://schemas.openxmlformats.org/drawingml/2006/chart" xmlns:a="http://schemas.openxmlformats.org/drawingml/2006/main" xmlns:dgm="http://schemas.openxmlformats.org/drawingml/2006/diagram" xmlns:dsp="http://schemas.microsoft.com/office/drawing/2008/diagram" xmlns:p="http://schemas.openxmlformats.org/presentationml/2006/main">
   <p:cSld>
     <p:bg>
-      <p:bgPr>
+      <p:bgPr shadeToTitle="0">
         <a:solidFill>
           <a:schemeClr val="bg1"/>
         </a:solidFill>
-        <a:effectLst/>
       </p:bgPr>
     </p:bg>
     <p:spTree>
@@ -258,10 +201,10 @@
             <a:spLocks noGrp="1" noChangeArrowheads="1"/>
           </p:cNvSpPr>
           <p:nvPr>
-            <p:ph type="hdr" sz="quarter"/>
+            <p:ph type="hdr" sz="quarter" idx="0"/>
           </p:nvPr>
         </p:nvSpPr>
-        <p:spPr bwMode="auto">
+        <p:spPr>
           <a:xfrm>
             <a:off x="0" y="0"/>
             <a:ext cx="2946400" cy="493713"/>
@@ -272,14 +215,12 @@
           <a:noFill/>
           <a:ln w="9525">
             <a:noFill/>
-            <a:miter lim="800000"/>
-            <a:headEnd/>
-            <a:tailEnd/>
+            <a:miter/>
           </a:ln>
           <a:effectLst/>
         </p:spPr>
         <p:txBody>
-          <a:bodyPr vert="horz" wrap="square" lIns="91440" tIns="45720" rIns="91440" bIns="45720" numCol="1" anchor="t" anchorCtr="0" compatLnSpc="1">
+          <a:bodyPr vert="horz" wrap="square" lIns="91440" tIns="45720" rIns="91440" bIns="45720" anchor="t" anchorCtr="0">
             <a:prstTxWarp prst="textNoShape">
               <a:avLst/>
             </a:prstTxWarp>
@@ -293,7 +234,11 @@
             <a:pPr>
               <a:defRPr/>
             </a:pPr>
-            <a:endParaRPr lang="en-US" altLang="ko-KR"/>
+            <a:r>
+              <a:rPr lang="ko-KR" altLang="en-US"/>
+              <a:t/>
+            </a:r>
+            <a:endParaRPr lang="ko-KR" altLang="en-US"/>
           </a:p>
         </p:txBody>
       </p:sp>
@@ -307,7 +252,7 @@
             <p:ph type="dt" sz="quarter" idx="1"/>
           </p:nvPr>
         </p:nvSpPr>
-        <p:spPr bwMode="auto">
+        <p:spPr>
           <a:xfrm>
             <a:off x="3849688" y="0"/>
             <a:ext cx="2946400" cy="493713"/>
@@ -318,14 +263,12 @@
           <a:noFill/>
           <a:ln w="9525">
             <a:noFill/>
-            <a:miter lim="800000"/>
-            <a:headEnd/>
-            <a:tailEnd/>
+            <a:miter/>
           </a:ln>
           <a:effectLst/>
         </p:spPr>
         <p:txBody>
-          <a:bodyPr vert="horz" wrap="square" lIns="91440" tIns="45720" rIns="91440" bIns="45720" numCol="1" anchor="t" anchorCtr="0" compatLnSpc="1">
+          <a:bodyPr vert="horz" wrap="square" lIns="91440" tIns="45720" rIns="91440" bIns="45720" anchor="t" anchorCtr="0">
             <a:prstTxWarp prst="textNoShape">
               <a:avLst/>
             </a:prstTxWarp>
@@ -339,12 +282,12 @@
             <a:pPr>
               <a:defRPr/>
             </a:pPr>
-            <a:fld id="{D6D8E07F-0976-46E2-904E-95C00B6F9385}" type="datetimeFigureOut">
+            <a:fld id="{D6D8E07F-0976-46E2-904E-95C00B6F9385}" type="datetime1">
               <a:rPr lang="ko-KR" altLang="en-US"/>
               <a:pPr>
                 <a:defRPr/>
               </a:pPr>
-              <a:t>2020-02-01</a:t>
+              <a:t>2021-08-31</a:t>
             </a:fld>
             <a:endParaRPr lang="en-US" altLang="ko-KR"/>
           </a:p>
@@ -360,7 +303,7 @@
             <p:ph type="ftr" sz="quarter" idx="2"/>
           </p:nvPr>
         </p:nvSpPr>
-        <p:spPr bwMode="auto">
+        <p:spPr>
           <a:xfrm>
             <a:off x="0" y="9378950"/>
             <a:ext cx="2946400" cy="493713"/>
@@ -371,14 +314,12 @@
           <a:noFill/>
           <a:ln w="9525">
             <a:noFill/>
-            <a:miter lim="800000"/>
-            <a:headEnd/>
-            <a:tailEnd/>
+            <a:miter/>
           </a:ln>
           <a:effectLst/>
         </p:spPr>
         <p:txBody>
-          <a:bodyPr vert="horz" wrap="square" lIns="91440" tIns="45720" rIns="91440" bIns="45720" numCol="1" anchor="b" anchorCtr="0" compatLnSpc="1">
+          <a:bodyPr vert="horz" wrap="square" lIns="91440" tIns="45720" rIns="91440" bIns="45720" anchor="b" anchorCtr="0">
             <a:prstTxWarp prst="textNoShape">
               <a:avLst/>
             </a:prstTxWarp>
@@ -392,7 +333,11 @@
             <a:pPr>
               <a:defRPr/>
             </a:pPr>
-            <a:endParaRPr lang="en-US" altLang="ko-KR"/>
+            <a:r>
+              <a:rPr lang="ko-KR" altLang="en-US"/>
+              <a:t/>
+            </a:r>
+            <a:endParaRPr lang="ko-KR" altLang="en-US"/>
           </a:p>
         </p:txBody>
       </p:sp>
@@ -406,7 +351,7 @@
             <p:ph type="sldNum" sz="quarter" idx="3"/>
           </p:nvPr>
         </p:nvSpPr>
-        <p:spPr bwMode="auto">
+        <p:spPr>
           <a:xfrm>
             <a:off x="3849688" y="9378950"/>
             <a:ext cx="2946400" cy="493713"/>
@@ -417,14 +362,12 @@
           <a:noFill/>
           <a:ln w="9525">
             <a:noFill/>
-            <a:miter lim="800000"/>
-            <a:headEnd/>
-            <a:tailEnd/>
+            <a:miter/>
           </a:ln>
           <a:effectLst/>
         </p:spPr>
         <p:txBody>
-          <a:bodyPr vert="horz" wrap="square" lIns="91440" tIns="45720" rIns="91440" bIns="45720" numCol="1" anchor="b" anchorCtr="0" compatLnSpc="1">
+          <a:bodyPr vert="horz" wrap="square" lIns="91440" tIns="45720" rIns="91440" bIns="45720" anchor="b" anchorCtr="0">
             <a:prstTxWarp prst="textNoShape">
               <a:avLst/>
             </a:prstTxWarp>
@@ -450,11 +393,6 @@
         </p:txBody>
       </p:sp>
     </p:spTree>
-    <p:extLst>
-      <p:ext uri="{BB962C8B-B14F-4D97-AF65-F5344CB8AC3E}">
-        <p14:creationId xmlns:p14="http://schemas.microsoft.com/office/powerpoint/2010/main" val="681533440"/>
-      </p:ext>
-    </p:extLst>
   </p:cSld>
   <p:clrMap bg1="lt1" tx1="dk1" bg2="lt2" tx2="dk2" accent1="accent1" accent2="accent2" accent3="accent3" accent4="accent4" accent5="accent5" accent6="accent6" hlink="hlink" folHlink="folHlink"/>
   <p:hf sldNum="0" hdr="0" ftr="0" dt="0"/>
@@ -462,14 +400,13 @@
 </file>
 
 <file path=ppt/notesMasters/notesMaster1.xml><?xml version="1.0" encoding="utf-8"?>
-<p:notesMaster xmlns:a="http://schemas.openxmlformats.org/drawingml/2006/main" xmlns:r="http://schemas.openxmlformats.org/officeDocument/2006/relationships" xmlns:p="http://schemas.openxmlformats.org/presentationml/2006/main">
+<p:notesMaster xmlns:r="http://schemas.openxmlformats.org/officeDocument/2006/relationships" xmlns:c="http://schemas.openxmlformats.org/drawingml/2006/chart" xmlns:a="http://schemas.openxmlformats.org/drawingml/2006/main" xmlns:dgm="http://schemas.openxmlformats.org/drawingml/2006/diagram" xmlns:dsp="http://schemas.microsoft.com/office/drawing/2008/diagram" xmlns:p="http://schemas.openxmlformats.org/presentationml/2006/main">
   <p:cSld>
     <p:bg>
-      <p:bgPr>
+      <p:bgPr shadeToTitle="0">
         <a:solidFill>
           <a:schemeClr val="bg1"/>
         </a:solidFill>
-        <a:effectLst/>
       </p:bgPr>
     </p:bg>
     <p:spTree>
@@ -493,7 +430,7 @@
             <a:spLocks noGrp="1"/>
           </p:cNvSpPr>
           <p:nvPr>
-            <p:ph type="hdr" sz="quarter"/>
+            <p:ph type="hdr" sz="quarter" idx="0"/>
           </p:nvPr>
         </p:nvSpPr>
         <p:spPr>
@@ -506,7 +443,7 @@
           </a:prstGeom>
         </p:spPr>
         <p:txBody>
-          <a:bodyPr vert="horz" lIns="91440" tIns="45720" rIns="91440" bIns="45720" rtlCol="0"/>
+          <a:bodyPr vert="horz" lIns="91440" tIns="45720" rIns="91440" bIns="45720"/>
           <a:lstStyle>
             <a:lvl1pPr algn="l" eaLnBrk="0" latinLnBrk="0" hangingPunct="0">
               <a:defRPr kumimoji="0" sz="1200"/>
@@ -516,6 +453,10 @@
             <a:pPr>
               <a:defRPr/>
             </a:pPr>
+            <a:r>
+              <a:rPr lang="ko-KR" altLang="en-US"/>
+              <a:t/>
+            </a:r>
             <a:endParaRPr lang="ko-KR" altLang="en-US"/>
           </a:p>
         </p:txBody>
@@ -540,7 +481,7 @@
           </a:prstGeom>
         </p:spPr>
         <p:txBody>
-          <a:bodyPr vert="horz" lIns="91440" tIns="45720" rIns="91440" bIns="45720" rtlCol="0"/>
+          <a:bodyPr vert="horz" lIns="91440" tIns="45720" rIns="91440" bIns="45720"/>
           <a:lstStyle>
             <a:lvl1pPr algn="r" eaLnBrk="0" latinLnBrk="0" hangingPunct="0">
               <a:defRPr kumimoji="0" sz="1200"/>
@@ -550,12 +491,12 @@
             <a:pPr>
               <a:defRPr/>
             </a:pPr>
-            <a:fld id="{96054449-A562-48AA-B6DA-0078C595B212}" type="datetimeFigureOut">
+            <a:fld id="{96054449-A562-48AA-B6DA-0078C595B212}" type="datetime1">
               <a:rPr lang="ko-KR" altLang="en-US"/>
               <a:pPr>
                 <a:defRPr/>
               </a:pPr>
-              <a:t>2020-02-01</a:t>
+              <a:t>2021-08-31</a:t>
             </a:fld>
             <a:endParaRPr lang="ko-KR" altLang="en-US"/>
           </a:p>
@@ -565,7 +506,7 @@
         <p:nvSpPr>
           <p:cNvPr id="4" name="슬라이드 이미지 개체 틀 3"/>
           <p:cNvSpPr>
-            <a:spLocks noGrp="1" noRot="1" noChangeAspect="1"/>
+            <a:spLocks noGrp="1" noRot="1" noChangeAspect="1" noTextEdit="1"/>
           </p:cNvSpPr>
           <p:nvPr>
             <p:ph type="sldImg" idx="2"/>
@@ -587,11 +528,13 @@
           </a:ln>
         </p:spPr>
         <p:txBody>
-          <a:bodyPr vert="horz" lIns="91440" tIns="45720" rIns="91440" bIns="45720" rtlCol="0" anchor="ctr"/>
+          <a:bodyPr vert="horz" lIns="91440" tIns="45720" rIns="91440" bIns="45720" anchor="ctr"/>
           <a:lstStyle/>
           <a:p>
-            <a:pPr lvl="0"/>
-            <a:endParaRPr lang="ko-KR" altLang="en-US" noProof="0" smtClean="0"/>
+            <a:pPr lvl="0">
+              <a:defRPr/>
+            </a:pPr>
+            <a:endParaRPr lang="ko-KR" altLang="en-US"/>
           </a:p>
         </p:txBody>
       </p:sp>
@@ -615,44 +558,59 @@
           </a:prstGeom>
         </p:spPr>
         <p:txBody>
-          <a:bodyPr vert="horz" lIns="91440" tIns="45720" rIns="91440" bIns="45720" rtlCol="0">
+          <a:bodyPr vert="horz" lIns="91440" tIns="45720" rIns="91440" bIns="45720">
             <a:normAutofit/>
           </a:bodyPr>
           <a:lstStyle/>
           <a:p>
-            <a:pPr lvl="0"/>
-            <a:r>
-              <a:rPr lang="ko-KR" altLang="en-US" noProof="0" smtClean="0"/>
+            <a:pPr lvl="0">
+              <a:defRPr/>
+            </a:pPr>
+            <a:r>
+              <a:rPr lang="ko-KR" altLang="en-US"/>
               <a:t>마스터 텍스트 스타일을 편집합니다</a:t>
             </a:r>
-          </a:p>
-          <a:p>
-            <a:pPr lvl="1"/>
-            <a:r>
-              <a:rPr lang="ko-KR" altLang="en-US" noProof="0" smtClean="0"/>
+            <a:endParaRPr lang="ko-KR" altLang="en-US"/>
+          </a:p>
+          <a:p>
+            <a:pPr lvl="1">
+              <a:defRPr/>
+            </a:pPr>
+            <a:r>
+              <a:rPr lang="ko-KR" altLang="en-US"/>
               <a:t>둘째 수준</a:t>
             </a:r>
-          </a:p>
-          <a:p>
-            <a:pPr lvl="2"/>
-            <a:r>
-              <a:rPr lang="ko-KR" altLang="en-US" noProof="0" smtClean="0"/>
+            <a:endParaRPr lang="ko-KR" altLang="en-US"/>
+          </a:p>
+          <a:p>
+            <a:pPr lvl="2">
+              <a:defRPr/>
+            </a:pPr>
+            <a:r>
+              <a:rPr lang="ko-KR" altLang="en-US"/>
               <a:t>셋째 수준</a:t>
             </a:r>
-          </a:p>
-          <a:p>
-            <a:pPr lvl="3"/>
-            <a:r>
-              <a:rPr lang="ko-KR" altLang="en-US" noProof="0" smtClean="0"/>
+            <a:endParaRPr lang="ko-KR" altLang="en-US"/>
+          </a:p>
+          <a:p>
+            <a:pPr lvl="3">
+              <a:defRPr/>
+            </a:pPr>
+            <a:r>
+              <a:rPr lang="ko-KR" altLang="en-US"/>
               <a:t>넷째 수준</a:t>
             </a:r>
-          </a:p>
-          <a:p>
-            <a:pPr lvl="4"/>
-            <a:r>
-              <a:rPr lang="ko-KR" altLang="en-US" noProof="0" smtClean="0"/>
+            <a:endParaRPr lang="ko-KR" altLang="en-US"/>
+          </a:p>
+          <a:p>
+            <a:pPr lvl="4">
+              <a:defRPr/>
+            </a:pPr>
+            <a:r>
+              <a:rPr lang="ko-KR" altLang="en-US"/>
               <a:t>다섯째 수준</a:t>
             </a:r>
+            <a:endParaRPr lang="ko-KR" altLang="en-US"/>
           </a:p>
         </p:txBody>
       </p:sp>
@@ -676,7 +634,7 @@
           </a:prstGeom>
         </p:spPr>
         <p:txBody>
-          <a:bodyPr vert="horz" lIns="91440" tIns="45720" rIns="91440" bIns="45720" rtlCol="0" anchor="b"/>
+          <a:bodyPr vert="horz" lIns="91440" tIns="45720" rIns="91440" bIns="45720" anchor="b"/>
           <a:lstStyle>
             <a:lvl1pPr algn="l" eaLnBrk="0" latinLnBrk="0" hangingPunct="0">
               <a:defRPr kumimoji="0" sz="1200"/>
@@ -686,6 +644,10 @@
             <a:pPr>
               <a:defRPr/>
             </a:pPr>
+            <a:r>
+              <a:rPr lang="ko-KR" altLang="en-US"/>
+              <a:t/>
+            </a:r>
             <a:endParaRPr lang="ko-KR" altLang="en-US"/>
           </a:p>
         </p:txBody>
@@ -710,7 +672,7 @@
           </a:prstGeom>
         </p:spPr>
         <p:txBody>
-          <a:bodyPr vert="horz" wrap="square" lIns="91440" tIns="45720" rIns="91440" bIns="45720" numCol="1" anchor="b" anchorCtr="0" compatLnSpc="1">
+          <a:bodyPr vert="horz" wrap="square" lIns="91440" tIns="45720" rIns="91440" bIns="45720" anchor="b" anchorCtr="0">
             <a:prstTxWarp prst="textNoShape">
               <a:avLst/>
             </a:prstTxWarp>
@@ -736,11 +698,6 @@
         </p:txBody>
       </p:sp>
     </p:spTree>
-    <p:extLst>
-      <p:ext uri="{BB962C8B-B14F-4D97-AF65-F5344CB8AC3E}">
-        <p14:creationId xmlns:p14="http://schemas.microsoft.com/office/powerpoint/2010/main" val="1933054774"/>
-      </p:ext>
-    </p:extLst>
   </p:cSld>
   <p:clrMap bg1="lt1" tx1="dk1" bg2="lt2" tx2="dk2" accent1="accent1" accent2="accent2" accent3="accent3" accent4="accent4" accent5="accent5" accent6="accent6" hlink="hlink" folHlink="folHlink"/>
   <p:hf sldNum="0" hdr="0" ftr="0" dt="0"/>
@@ -870,7 +827,7 @@
 </file>
 
 <file path=ppt/notesSlides/notesSlide1.xml><?xml version="1.0" encoding="utf-8"?>
-<p:notes xmlns:a="http://schemas.openxmlformats.org/drawingml/2006/main" xmlns:r="http://schemas.openxmlformats.org/officeDocument/2006/relationships" xmlns:p="http://schemas.openxmlformats.org/presentationml/2006/main">
+<p:notes xmlns:r="http://schemas.openxmlformats.org/officeDocument/2006/relationships" xmlns:c="http://schemas.openxmlformats.org/drawingml/2006/chart" xmlns:a="http://schemas.openxmlformats.org/drawingml/2006/main" xmlns:dgm="http://schemas.openxmlformats.org/drawingml/2006/diagram" xmlns:dsp="http://schemas.microsoft.com/office/drawing/2008/diagram" xmlns:p="http://schemas.openxmlformats.org/presentationml/2006/main">
   <p:cSld>
     <p:spTree>
       <p:nvGrpSpPr>
@@ -893,28 +850,17 @@
             <a:spLocks noGrp="1" noRot="1" noChangeAspect="1" noTextEdit="1"/>
           </p:cNvSpPr>
           <p:nvPr>
-            <p:ph type="sldImg"/>
+            <p:ph type="sldImg" idx="0"/>
           </p:nvPr>
         </p:nvSpPr>
-        <p:spPr bwMode="auto">
+        <p:spPr>
           <a:noFill/>
           <a:ln>
             <a:solidFill>
               <a:srgbClr val="000000"/>
             </a:solidFill>
-            <a:miter lim="800000"/>
-            <a:headEnd/>
-            <a:tailEnd/>
+            <a:miter/>
           </a:ln>
-          <a:extLst>
-            <a:ext uri="{909E8E84-426E-40DD-AFC4-6F175D3DCCD1}">
-              <a14:hiddenFill xmlns:a14="http://schemas.microsoft.com/office/drawing/2010/main">
-                <a:solidFill>
-                  <a:srgbClr val="FFFFFF"/>
-                </a:solidFill>
-              </a14:hiddenFill>
-            </a:ext>
-          </a:extLst>
         </p:spPr>
       </p:sp>
       <p:sp>
@@ -927,53 +873,33 @@
             <p:ph type="body" idx="1"/>
           </p:nvPr>
         </p:nvSpPr>
-        <p:spPr bwMode="auto">
+        <p:spPr>
           <a:noFill/>
-          <a:extLst>
-            <a:ext uri="{909E8E84-426E-40DD-AFC4-6F175D3DCCD1}">
-              <a14:hiddenFill xmlns:a14="http://schemas.microsoft.com/office/drawing/2010/main">
-                <a:solidFill>
-                  <a:srgbClr val="FFFFFF"/>
-                </a:solidFill>
-              </a14:hiddenFill>
-            </a:ext>
-            <a:ext uri="{91240B29-F687-4F45-9708-019B960494DF}">
-              <a14:hiddenLine xmlns:a14="http://schemas.microsoft.com/office/drawing/2010/main" w="9525">
-                <a:solidFill>
-                  <a:srgbClr val="000000"/>
-                </a:solidFill>
-                <a:miter lim="800000"/>
-                <a:headEnd/>
-                <a:tailEnd/>
-              </a14:hiddenLine>
-            </a:ext>
-          </a:extLst>
         </p:spPr>
         <p:txBody>
-          <a:bodyPr wrap="square" numCol="1" anchor="t" anchorCtr="0" compatLnSpc="1">
+          <a:bodyPr wrap="square" anchor="t" anchorCtr="0">
             <a:prstTxWarp prst="textNoShape">
               <a:avLst/>
             </a:prstTxWarp>
           </a:bodyPr>
           <a:lstStyle/>
           <a:p>
-            <a:r>
-              <a:rPr lang="en-US" altLang="ko-KR" dirty="0" smtClean="0"/>
+            <a:pPr lvl="0">
+              <a:defRPr/>
+            </a:pPr>
+            <a:r>
+              <a:rPr lang="en-US" altLang="ko-KR"/>
               <a:t>09. </a:t>
             </a:r>
             <a:r>
-              <a:rPr lang="ko-KR" altLang="en-US" dirty="0" smtClean="0"/>
+              <a:rPr lang="ko-KR" altLang="en-US"/>
               <a:t>객체 지향 프로그래밍과 클래스</a:t>
             </a:r>
+            <a:endParaRPr lang="ko-KR" altLang="en-US"/>
           </a:p>
         </p:txBody>
       </p:sp>
     </p:spTree>
-    <p:extLst>
-      <p:ext uri="{BB962C8B-B14F-4D97-AF65-F5344CB8AC3E}">
-        <p14:creationId xmlns:p14="http://schemas.microsoft.com/office/powerpoint/2010/main" val="2399427965"/>
-      </p:ext>
-    </p:extLst>
   </p:cSld>
   <p:clrMapOvr>
     <a:masterClrMapping/>
@@ -10087,7 +10013,7 @@
 </file>
 
 <file path=ppt/slides/slide8.xml><?xml version="1.0" encoding="utf-8"?>
-<p:sld xmlns:a="http://schemas.openxmlformats.org/drawingml/2006/main" xmlns:r="http://schemas.openxmlformats.org/officeDocument/2006/relationships" xmlns:p="http://schemas.openxmlformats.org/presentationml/2006/main" show="0">
+<p:sld xmlns:r="http://schemas.openxmlformats.org/officeDocument/2006/relationships" xmlns:c="http://schemas.openxmlformats.org/drawingml/2006/chart" xmlns:a="http://schemas.openxmlformats.org/drawingml/2006/main" xmlns:dgm="http://schemas.openxmlformats.org/drawingml/2006/diagram" xmlns:dsp="http://schemas.microsoft.com/office/drawing/2008/diagram" xmlns:p="http://schemas.openxmlformats.org/presentationml/2006/main" show="0">
   <p:cSld>
     <p:spTree>
       <p:nvGrpSpPr>
@@ -10120,68 +10046,67 @@
           <a:p>
             <a:pPr marL="0" indent="0">
               <a:buNone/>
+              <a:defRPr/>
             </a:pPr>
             <a:r>
-              <a:rPr lang="en-US" altLang="ko-KR" sz="2800" dirty="0" smtClean="0"/>
+              <a:rPr lang="en-US" altLang="ko-KR" sz="2800"/>
               <a:t>OSI 7</a:t>
             </a:r>
             <a:r>
-              <a:rPr lang="ko-KR" altLang="en-US" sz="2800" dirty="0" smtClean="0"/>
-              <a:t>계층 </a:t>
-            </a:r>
-            <a:r>
-              <a:rPr lang="ko-KR" altLang="en-US" sz="2800" dirty="0" err="1" smtClean="0"/>
-              <a:t>참조모델</a:t>
-            </a:r>
-            <a:endParaRPr lang="en-US" altLang="ko-KR" sz="2800" dirty="0" smtClean="0"/>
+              <a:rPr lang="ko-KR" altLang="en-US" sz="2800"/>
+              <a:t>계층 참조모델</a:t>
+            </a:r>
+            <a:endParaRPr lang="ko-KR" altLang="en-US" sz="2800"/>
           </a:p>
           <a:p>
             <a:pPr lvl="1">
               <a:lnSpc>
                 <a:spcPct val="100000"/>
               </a:lnSpc>
+              <a:defRPr/>
             </a:pPr>
             <a:r>
-              <a:rPr lang="ko-KR" altLang="en-US" sz="2000" dirty="0" smtClean="0"/>
+              <a:rPr lang="ko-KR" altLang="en-US" sz="2000"/>
               <a:t>국제표준화기구</a:t>
             </a:r>
             <a:r>
-              <a:rPr lang="en-US" altLang="ko-KR" sz="2000" dirty="0" smtClean="0"/>
+              <a:rPr lang="en-US" altLang="ko-KR" sz="2000"/>
               <a:t>(ISO)</a:t>
             </a:r>
             <a:r>
-              <a:rPr lang="ko-KR" altLang="en-US" sz="2000" dirty="0" smtClean="0"/>
+              <a:rPr lang="ko-KR" altLang="en-US" sz="2000"/>
               <a:t>에서 제정</a:t>
             </a:r>
             <a:r>
-              <a:rPr lang="en-US" altLang="ko-KR" sz="2000" dirty="0" smtClean="0"/>
+              <a:rPr lang="en-US" altLang="ko-KR" sz="2000"/>
               <a:t>. </a:t>
             </a:r>
             <a:r>
-              <a:rPr lang="ko-KR" altLang="en-US" sz="2000" dirty="0" smtClean="0"/>
+              <a:rPr lang="ko-KR" altLang="en-US" sz="2000"/>
               <a:t>기능에 따라 </a:t>
             </a:r>
             <a:r>
-              <a:rPr lang="en-US" altLang="ko-KR" sz="2000" dirty="0" smtClean="0"/>
+              <a:rPr lang="en-US" altLang="ko-KR" sz="2000"/>
               <a:t>7</a:t>
             </a:r>
             <a:r>
-              <a:rPr lang="ko-KR" altLang="en-US" sz="2000" dirty="0" smtClean="0"/>
+              <a:rPr lang="ko-KR" altLang="en-US" sz="2000"/>
               <a:t>계층으로 구성</a:t>
             </a:r>
-            <a:endParaRPr lang="en-US" altLang="ko-KR" sz="2000" dirty="0" smtClean="0"/>
+            <a:endParaRPr lang="ko-KR" altLang="en-US" sz="2000"/>
           </a:p>
           <a:p>
             <a:pPr lvl="1">
               <a:lnSpc>
                 <a:spcPct val="100000"/>
               </a:lnSpc>
+              <a:defRPr/>
             </a:pPr>
             <a:r>
-              <a:rPr lang="ko-KR" altLang="en-US" sz="2000" dirty="0" smtClean="0"/>
+              <a:rPr lang="ko-KR" altLang="en-US" sz="2000"/>
               <a:t>개방형 모델</a:t>
             </a:r>
-            <a:endParaRPr lang="en-US" altLang="ko-KR" sz="2000" dirty="0" smtClean="0"/>
+            <a:endParaRPr lang="en-US" altLang="ko-KR" sz="2000"/>
           </a:p>
         </p:txBody>
       </p:sp>
@@ -10192,7 +10117,7 @@
             <a:spLocks noGrp="1"/>
           </p:cNvSpPr>
           <p:nvPr>
-            <p:ph type="title"/>
+            <p:ph type="title" idx="0"/>
           </p:nvPr>
         </p:nvSpPr>
         <p:spPr/>
@@ -10200,19 +10125,18 @@
           <a:bodyPr/>
           <a:lstStyle/>
           <a:p>
-            <a:r>
-              <a:rPr lang="en-US" altLang="ko-KR" dirty="0" smtClean="0"/>
+            <a:pPr lvl="0">
+              <a:defRPr/>
+            </a:pPr>
+            <a:r>
+              <a:rPr lang="en-US" altLang="ko-KR"/>
               <a:t>OSI 7</a:t>
             </a:r>
             <a:r>
-              <a:rPr lang="ko-KR" altLang="en-US" dirty="0" smtClean="0"/>
-              <a:t>계층 </a:t>
-            </a:r>
-            <a:r>
-              <a:rPr lang="ko-KR" altLang="en-US" dirty="0" err="1" smtClean="0"/>
-              <a:t>참조모델</a:t>
-            </a:r>
-            <a:endParaRPr lang="ko-KR" altLang="en-US" dirty="0"/>
+              <a:rPr lang="ko-KR" altLang="en-US"/>
+              <a:t>계층 참조모델</a:t>
+            </a:r>
+            <a:endParaRPr lang="ko-KR" altLang="en-US"/>
           </a:p>
         </p:txBody>
       </p:sp>
@@ -10222,45 +10146,25 @@
           <p:cNvGraphicFramePr>
             <a:graphicFrameLocks noGrp="1"/>
           </p:cNvGraphicFramePr>
-          <p:nvPr>
-            <p:extLst>
-              <p:ext uri="{D42A27DB-BD31-4B8C-83A1-F6EECF244321}">
-                <p14:modId xmlns:p14="http://schemas.microsoft.com/office/powerpoint/2010/main" val="3950127208"/>
-              </p:ext>
-            </p:extLst>
-          </p:nvPr>
+          <p:nvPr/>
         </p:nvGraphicFramePr>
         <p:xfrm>
           <a:off x="800100" y="2509156"/>
-          <a:ext cx="7543800" cy="3129644"/>
+          <a:ext cx="8115300" cy="4196444"/>
         </p:xfrm>
         <a:graphic>
           <a:graphicData uri="http://schemas.openxmlformats.org/drawingml/2006/table">
             <a:tbl>
-              <a:tblPr/>
               <a:tblGrid>
-                <a:gridCol w="1642311">
-                  <a:extLst>
-                    <a:ext uri="{9D8B030D-6E8A-4147-A177-3AD203B41FA5}">
-                      <a16:colId xmlns:a16="http://schemas.microsoft.com/office/drawing/2014/main" val="3158001980"/>
-                    </a:ext>
-                  </a:extLst>
-                </a:gridCol>
-                <a:gridCol w="5901489">
-                  <a:extLst>
-                    <a:ext uri="{9D8B030D-6E8A-4147-A177-3AD203B41FA5}">
-                      <a16:colId xmlns:a16="http://schemas.microsoft.com/office/drawing/2014/main" val="1194800726"/>
-                    </a:ext>
-                  </a:extLst>
-                </a:gridCol>
+                <a:gridCol w="1766728"/>
+                <a:gridCol w="6348572"/>
               </a:tblGrid>
-              <a:tr h="412433">
+              <a:tr h="553019">
                 <a:tc>
                   <a:txBody>
-                    <a:bodyPr/>
-                    <a:lstStyle/>
+                    <a:bodyPr vert="horz" lIns="91440" tIns="45720" rIns="91440" bIns="45720" anchor="ctr" anchorCtr="0"/>
                     <a:p>
-                      <a:pPr marL="0" marR="0" indent="0" algn="ctr" fontAlgn="ctr" latinLnBrk="0">
+                      <a:pPr marL="0" marR="0" indent="0" algn="ctr" latinLnBrk="0">
                         <a:lnSpc>
                           <a:spcPct val="100000"/>
                         </a:lnSpc>
@@ -10270,28 +10174,29 @@
                         <a:spcAft>
                           <a:spcPts val="0"/>
                         </a:spcAft>
+                        <a:defRPr/>
                       </a:pPr>
                       <a:r>
-                        <a:rPr lang="ko-KR" altLang="en-US" sz="1600" kern="0" spc="0" dirty="0">
+                        <a:rPr lang="ko-KR" altLang="en-US" sz="1600" kern="0" spc="0">
                           <a:solidFill>
                             <a:srgbClr val="000000"/>
                           </a:solidFill>
                           <a:effectLst/>
-                          <a:latin typeface="맑은 고딕" panose="020B0503020000020004" pitchFamily="50" charset="-127"/>
-                          <a:ea typeface="맑은 고딕" panose="020B0503020000020004" pitchFamily="50" charset="-127"/>
+                          <a:latin typeface="맑은 고딕"/>
+                          <a:ea typeface="맑은 고딕"/>
                         </a:rPr>
                         <a:t>계층</a:t>
                       </a:r>
-                      <a:endParaRPr lang="ko-KR" altLang="en-US" sz="1600" kern="0" spc="0" dirty="0">
+                      <a:endParaRPr lang="ko-KR" altLang="en-US" sz="1600" kern="0" spc="0">
                         <a:solidFill>
                           <a:srgbClr val="000000"/>
                         </a:solidFill>
                         <a:effectLst/>
-                        <a:latin typeface="맑은 고딕" panose="020B0503020000020004" pitchFamily="50" charset="-127"/>
+                        <a:latin typeface="맑은 고딕"/>
                       </a:endParaRPr>
                     </a:p>
                   </a:txBody>
-                  <a:tcPr anchor="ctr">
+                  <a:tcPr marL="91440" marR="91440" anchor="ctr">
                     <a:lnL>
                       <a:noFill/>
                     </a:lnL>
@@ -10313,10 +10218,9 @@
                 </a:tc>
                 <a:tc>
                   <a:txBody>
-                    <a:bodyPr/>
-                    <a:lstStyle/>
+                    <a:bodyPr vert="horz" lIns="91440" tIns="45720" rIns="91440" bIns="45720" anchor="ctr" anchorCtr="0"/>
                     <a:p>
-                      <a:pPr marL="0" marR="0" indent="0" algn="ctr" fontAlgn="ctr" latinLnBrk="0">
+                      <a:pPr marL="0" marR="0" indent="0" algn="ctr" latinLnBrk="0">
                         <a:lnSpc>
                           <a:spcPct val="100000"/>
                         </a:lnSpc>
@@ -10326,28 +10230,29 @@
                         <a:spcAft>
                           <a:spcPts val="0"/>
                         </a:spcAft>
+                        <a:defRPr/>
                       </a:pPr>
                       <a:r>
-                        <a:rPr lang="ko-KR" altLang="en-US" sz="1600" kern="0" spc="0" dirty="0">
+                        <a:rPr lang="ko-KR" altLang="en-US" sz="1600" kern="0" spc="0">
                           <a:solidFill>
                             <a:srgbClr val="000000"/>
                           </a:solidFill>
                           <a:effectLst/>
-                          <a:latin typeface="맑은 고딕" panose="020B0503020000020004" pitchFamily="50" charset="-127"/>
-                          <a:ea typeface="맑은 고딕" panose="020B0503020000020004" pitchFamily="50" charset="-127"/>
+                          <a:latin typeface="맑은 고딕"/>
+                          <a:ea typeface="맑은 고딕"/>
                         </a:rPr>
                         <a:t>기능</a:t>
                       </a:r>
-                      <a:endParaRPr lang="ko-KR" altLang="en-US" sz="1600" kern="0" spc="0" dirty="0">
+                      <a:endParaRPr lang="ko-KR" altLang="en-US" sz="1600" kern="0" spc="0">
                         <a:solidFill>
                           <a:srgbClr val="000000"/>
                         </a:solidFill>
                         <a:effectLst/>
-                        <a:latin typeface="맑은 고딕" panose="020B0503020000020004" pitchFamily="50" charset="-127"/>
+                        <a:latin typeface="맑은 고딕"/>
                       </a:endParaRPr>
                     </a:p>
                   </a:txBody>
-                  <a:tcPr anchor="ctr">
+                  <a:tcPr marL="91440" marR="91440" anchor="ctr">
                     <a:lnL>
                       <a:noFill/>
                     </a:lnL>
@@ -10367,19 +10272,13 @@
                     </a:solidFill>
                   </a:tcPr>
                 </a:tc>
-                <a:extLst>
-                  <a:ext uri="{0D108BD9-81ED-4DB2-BD59-A6C34878D82A}">
-                    <a16:rowId xmlns:a16="http://schemas.microsoft.com/office/drawing/2014/main" val="1062818410"/>
-                  </a:ext>
-                </a:extLst>
               </a:tr>
-              <a:tr h="388173">
+              <a:tr h="520489">
                 <a:tc>
                   <a:txBody>
-                    <a:bodyPr/>
-                    <a:lstStyle/>
+                    <a:bodyPr vert="horz" lIns="91440" tIns="45720" rIns="91440" bIns="45720" anchor="ctr" anchorCtr="0"/>
                     <a:p>
-                      <a:pPr marL="0" marR="0" indent="0" algn="ctr" fontAlgn="ctr" latinLnBrk="0">
+                      <a:pPr marL="0" marR="0" indent="0" algn="ctr" latinLnBrk="0">
                         <a:lnSpc>
                           <a:spcPct val="100000"/>
                         </a:lnSpc>
@@ -10389,28 +10288,41 @@
                         <a:spcAft>
                           <a:spcPts val="0"/>
                         </a:spcAft>
+                        <a:defRPr/>
                       </a:pPr>
                       <a:r>
                         <a:rPr lang="ko-KR" altLang="en-US" sz="1600" kern="0" spc="0">
                           <a:solidFill>
-                            <a:srgbClr val="000000"/>
+                            <a:schemeClr val="dk2"/>
                           </a:solidFill>
-                          <a:effectLst/>
-                          <a:latin typeface="맑은 고딕" panose="020B0503020000020004" pitchFamily="50" charset="-127"/>
-                          <a:ea typeface="맑은 고딕" panose="020B0503020000020004" pitchFamily="50" charset="-127"/>
+                          <a:effectLst>
+                            <a:outerShdw blurRad="76200" dist="76200" dir="2700000" algn="ctr" rotWithShape="0">
+                              <a:srgbClr val="000000">
+                                <a:alpha val="50000"/>
+                              </a:srgbClr>
+                            </a:outerShdw>
+                          </a:effectLst>
+                          <a:latin typeface="맑은 고딕"/>
+                          <a:ea typeface="맑은 고딕"/>
                         </a:rPr>
                         <a:t>응용계층</a:t>
                       </a:r>
                       <a:endParaRPr lang="ko-KR" altLang="en-US" sz="1600" kern="0" spc="0">
                         <a:solidFill>
-                          <a:srgbClr val="000000"/>
+                          <a:schemeClr val="dk2"/>
                         </a:solidFill>
-                        <a:effectLst/>
-                        <a:latin typeface="맑은 고딕" panose="020B0503020000020004" pitchFamily="50" charset="-127"/>
+                        <a:effectLst>
+                          <a:outerShdw blurRad="76200" dist="76200" dir="2700000" algn="ctr" rotWithShape="0">
+                            <a:srgbClr val="000000">
+                              <a:alpha val="50000"/>
+                            </a:srgbClr>
+                          </a:outerShdw>
+                        </a:effectLst>
+                        <a:latin typeface="맑은 고딕"/>
                       </a:endParaRPr>
                     </a:p>
                   </a:txBody>
-                  <a:tcPr anchor="ctr">
+                  <a:tcPr marL="91440" marR="91440" anchor="ctr">
                     <a:lnL>
                       <a:noFill/>
                     </a:lnL>
@@ -10427,10 +10339,9 @@
                 </a:tc>
                 <a:tc>
                   <a:txBody>
-                    <a:bodyPr/>
-                    <a:lstStyle/>
+                    <a:bodyPr vert="horz" lIns="91440" tIns="45720" rIns="91440" bIns="45720" anchor="ctr" anchorCtr="0"/>
                     <a:p>
-                      <a:pPr marL="0" marR="0" indent="0" algn="l" fontAlgn="ctr" latinLnBrk="0">
+                      <a:pPr marL="0" marR="0" indent="0" algn="l" latinLnBrk="0">
                         <a:lnSpc>
                           <a:spcPct val="100000"/>
                         </a:lnSpc>
@@ -10440,39 +10351,76 @@
                         <a:spcAft>
                           <a:spcPts val="0"/>
                         </a:spcAft>
+                        <a:defRPr/>
                       </a:pPr>
                       <a:r>
                         <a:rPr lang="en-US" altLang="ko-KR" sz="1600" kern="0" spc="0">
                           <a:solidFill>
-                            <a:srgbClr val="000000"/>
+                            <a:schemeClr val="dk2"/>
                           </a:solidFill>
-                          <a:effectLst/>
-                          <a:latin typeface="맑은 고딕" panose="020B0503020000020004" pitchFamily="50" charset="-127"/>
-                          <a:ea typeface="맑은 고딕" panose="020B0503020000020004" pitchFamily="50" charset="-127"/>
+                          <a:effectLst>
+                            <a:outerShdw blurRad="76200" dist="76200" dir="2700000" algn="ctr" rotWithShape="0">
+                              <a:srgbClr val="000000">
+                                <a:alpha val="50000"/>
+                              </a:srgbClr>
+                            </a:outerShdw>
+                          </a:effectLst>
+                          <a:latin typeface="맑은 고딕"/>
+                          <a:ea typeface="맑은 고딕"/>
                         </a:rPr>
                         <a:t>WWW, FTP, Telnet</a:t>
                       </a:r>
                       <a:r>
                         <a:rPr lang="ko-KR" altLang="en-US" sz="1600" kern="0" spc="0">
                           <a:solidFill>
-                            <a:srgbClr val="000000"/>
+                            <a:schemeClr val="dk2"/>
                           </a:solidFill>
-                          <a:effectLst/>
-                          <a:latin typeface="맑은 고딕" panose="020B0503020000020004" pitchFamily="50" charset="-127"/>
-                          <a:ea typeface="맑은 고딕" panose="020B0503020000020004" pitchFamily="50" charset="-127"/>
+                          <a:effectLst>
+                            <a:outerShdw blurRad="76200" dist="76200" dir="2700000" algn="ctr" rotWithShape="0">
+                              <a:srgbClr val="000000">
+                                <a:alpha val="50000"/>
+                              </a:srgbClr>
+                            </a:outerShdw>
+                          </a:effectLst>
+                          <a:latin typeface="맑은 고딕"/>
+                          <a:ea typeface="맑은 고딕"/>
                         </a:rPr>
-                        <a:t>과 같은 응용 프로그램</a:t>
+                        <a:t>과 같은 응용 프로그램 </a:t>
                       </a:r>
-                      <a:endParaRPr lang="ko-KR" altLang="en-US" sz="1600" kern="0" spc="0">
+                      <a:r>
+                        <a:rPr lang="en-US" altLang="ko-KR" sz="1600" kern="0" spc="0">
+                          <a:solidFill>
+                            <a:schemeClr val="dk2"/>
+                          </a:solidFill>
+                          <a:effectLst>
+                            <a:outerShdw blurRad="76200" dist="76200" dir="2700000" algn="ctr" rotWithShape="0">
+                              <a:srgbClr val="000000">
+                                <a:alpha val="50000"/>
+                              </a:srgbClr>
+                            </a:outerShdw>
+                          </a:effectLst>
+                          <a:latin typeface="맑은 고딕"/>
+                          <a:ea typeface="맑은 고딕"/>
+                        </a:rPr>
+                        <a:t>(set)</a:t>
+                      </a:r>
+                      <a:endParaRPr lang="en-US" altLang="ko-KR" sz="1600" kern="0" spc="0">
                         <a:solidFill>
-                          <a:srgbClr val="000000"/>
+                          <a:schemeClr val="dk2"/>
                         </a:solidFill>
-                        <a:effectLst/>
-                        <a:latin typeface="맑은 고딕" panose="020B0503020000020004" pitchFamily="50" charset="-127"/>
+                        <a:effectLst>
+                          <a:outerShdw blurRad="76200" dist="76200" dir="2700000" algn="ctr" rotWithShape="0">
+                            <a:srgbClr val="000000">
+                              <a:alpha val="50000"/>
+                            </a:srgbClr>
+                          </a:outerShdw>
+                        </a:effectLst>
+                        <a:latin typeface="맑은 고딕"/>
+                        <a:ea typeface="맑은 고딕"/>
                       </a:endParaRPr>
                     </a:p>
                   </a:txBody>
-                  <a:tcPr anchor="ctr">
+                  <a:tcPr marL="91440" marR="91440" anchor="ctr">
                     <a:lnL>
                       <a:noFill/>
                     </a:lnL>
@@ -10487,19 +10435,13 @@
                     </a:lnB>
                   </a:tcPr>
                 </a:tc>
-                <a:extLst>
-                  <a:ext uri="{0D108BD9-81ED-4DB2-BD59-A6C34878D82A}">
-                    <a16:rowId xmlns:a16="http://schemas.microsoft.com/office/drawing/2014/main" val="2735053053"/>
-                  </a:ext>
-                </a:extLst>
               </a:tr>
-              <a:tr h="388173">
+              <a:tr h="520489">
                 <a:tc>
                   <a:txBody>
-                    <a:bodyPr/>
-                    <a:lstStyle/>
+                    <a:bodyPr vert="horz" lIns="91440" tIns="45720" rIns="91440" bIns="45720" anchor="ctr" anchorCtr="0"/>
                     <a:p>
-                      <a:pPr marL="0" marR="0" indent="0" algn="ctr" fontAlgn="ctr" latinLnBrk="0">
+                      <a:pPr marL="0" marR="0" indent="0" algn="ctr" latinLnBrk="0">
                         <a:lnSpc>
                           <a:spcPct val="100000"/>
                         </a:lnSpc>
@@ -10509,28 +10451,41 @@
                         <a:spcAft>
                           <a:spcPts val="0"/>
                         </a:spcAft>
+                        <a:defRPr/>
                       </a:pPr>
                       <a:r>
                         <a:rPr lang="ko-KR" altLang="en-US" sz="1600" kern="0" spc="0">
                           <a:solidFill>
-                            <a:srgbClr val="000000"/>
+                            <a:schemeClr val="dk2"/>
                           </a:solidFill>
-                          <a:effectLst/>
-                          <a:latin typeface="맑은 고딕" panose="020B0503020000020004" pitchFamily="50" charset="-127"/>
-                          <a:ea typeface="맑은 고딕" panose="020B0503020000020004" pitchFamily="50" charset="-127"/>
+                          <a:effectLst>
+                            <a:outerShdw blurRad="76200" dist="76200" dir="2700000" algn="ctr" rotWithShape="0">
+                              <a:srgbClr val="000000">
+                                <a:alpha val="50000"/>
+                              </a:srgbClr>
+                            </a:outerShdw>
+                          </a:effectLst>
+                          <a:latin typeface="맑은 고딕"/>
+                          <a:ea typeface="맑은 고딕"/>
                         </a:rPr>
                         <a:t>표현계층</a:t>
                       </a:r>
                       <a:endParaRPr lang="ko-KR" altLang="en-US" sz="1600" kern="0" spc="0">
                         <a:solidFill>
-                          <a:srgbClr val="000000"/>
+                          <a:schemeClr val="dk2"/>
                         </a:solidFill>
-                        <a:effectLst/>
-                        <a:latin typeface="맑은 고딕" panose="020B0503020000020004" pitchFamily="50" charset="-127"/>
+                        <a:effectLst>
+                          <a:outerShdw blurRad="76200" dist="76200" dir="2700000" algn="ctr" rotWithShape="0">
+                            <a:srgbClr val="000000">
+                              <a:alpha val="50000"/>
+                            </a:srgbClr>
+                          </a:outerShdw>
+                        </a:effectLst>
+                        <a:latin typeface="맑은 고딕"/>
                       </a:endParaRPr>
                     </a:p>
                   </a:txBody>
-                  <a:tcPr anchor="ctr">
+                  <a:tcPr marL="91440" marR="91440" anchor="ctr">
                     <a:lnL>
                       <a:noFill/>
                     </a:lnL>
@@ -10547,10 +10502,9 @@
                 </a:tc>
                 <a:tc>
                   <a:txBody>
-                    <a:bodyPr/>
-                    <a:lstStyle/>
+                    <a:bodyPr vert="horz" lIns="91440" tIns="45720" rIns="91440" bIns="45720" anchor="ctr" anchorCtr="0"/>
                     <a:p>
-                      <a:pPr marL="0" marR="0" indent="0" algn="l" fontAlgn="ctr" latinLnBrk="0">
+                      <a:pPr marL="0" marR="0" indent="0" algn="l" latinLnBrk="0">
                         <a:lnSpc>
                           <a:spcPct val="100000"/>
                         </a:lnSpc>
@@ -10560,28 +10514,59 @@
                         <a:spcAft>
                           <a:spcPts val="0"/>
                         </a:spcAft>
+                        <a:defRPr/>
                       </a:pPr>
                       <a:r>
                         <a:rPr lang="ko-KR" altLang="en-US" sz="1600" kern="0" spc="0">
                           <a:solidFill>
-                            <a:srgbClr val="000000"/>
+                            <a:schemeClr val="dk2"/>
                           </a:solidFill>
-                          <a:effectLst/>
-                          <a:latin typeface="맑은 고딕" panose="020B0503020000020004" pitchFamily="50" charset="-127"/>
-                          <a:ea typeface="맑은 고딕" panose="020B0503020000020004" pitchFamily="50" charset="-127"/>
+                          <a:effectLst>
+                            <a:outerShdw blurRad="76200" dist="76200" dir="2700000" algn="ctr" rotWithShape="0">
+                              <a:srgbClr val="000000">
+                                <a:alpha val="50000"/>
+                              </a:srgbClr>
+                            </a:outerShdw>
+                          </a:effectLst>
+                          <a:latin typeface="맑은 고딕"/>
+                          <a:ea typeface="맑은 고딕"/>
                         </a:rPr>
                         <a:t>데이터의 압축과 암호화 기능 수행</a:t>
                       </a:r>
-                      <a:endParaRPr lang="ko-KR" altLang="en-US" sz="1600" kern="0" spc="0">
+                      <a:r>
+                        <a:rPr lang="en-US" altLang="ko-KR" sz="1600" kern="0" spc="0">
+                          <a:solidFill>
+                            <a:schemeClr val="dk2"/>
+                          </a:solidFill>
+                          <a:effectLst>
+                            <a:outerShdw blurRad="76200" dist="76200" dir="2700000" algn="ctr" rotWithShape="0">
+                              <a:srgbClr val="000000">
+                                <a:alpha val="50000"/>
+                              </a:srgbClr>
+                            </a:outerShdw>
+                          </a:effectLst>
+                          <a:latin typeface="맑은 고딕"/>
+                          <a:ea typeface="맑은 고딕"/>
+                        </a:rPr>
+                        <a:t> (set)</a:t>
+                      </a:r>
+                      <a:endParaRPr lang="en-US" altLang="ko-KR" sz="1600" kern="0" spc="0">
                         <a:solidFill>
-                          <a:srgbClr val="000000"/>
+                          <a:schemeClr val="dk2"/>
                         </a:solidFill>
-                        <a:effectLst/>
-                        <a:latin typeface="맑은 고딕" panose="020B0503020000020004" pitchFamily="50" charset="-127"/>
+                        <a:effectLst>
+                          <a:outerShdw blurRad="76200" dist="76200" dir="2700000" algn="ctr" rotWithShape="0">
+                            <a:srgbClr val="000000">
+                              <a:alpha val="50000"/>
+                            </a:srgbClr>
+                          </a:outerShdw>
+                        </a:effectLst>
+                        <a:latin typeface="맑은 고딕"/>
+                        <a:ea typeface="맑은 고딕"/>
                       </a:endParaRPr>
                     </a:p>
                   </a:txBody>
-                  <a:tcPr anchor="ctr">
+                  <a:tcPr marL="91440" marR="91440" anchor="ctr">
                     <a:lnL>
                       <a:noFill/>
                     </a:lnL>
@@ -10596,19 +10581,13 @@
                     </a:lnB>
                   </a:tcPr>
                 </a:tc>
-                <a:extLst>
-                  <a:ext uri="{0D108BD9-81ED-4DB2-BD59-A6C34878D82A}">
-                    <a16:rowId xmlns:a16="http://schemas.microsoft.com/office/drawing/2014/main" val="4209037673"/>
-                  </a:ext>
-                </a:extLst>
               </a:tr>
-              <a:tr h="388173">
+              <a:tr h="520489">
                 <a:tc>
                   <a:txBody>
-                    <a:bodyPr/>
-                    <a:lstStyle/>
+                    <a:bodyPr vert="horz" lIns="91440" tIns="45720" rIns="91440" bIns="45720" anchor="ctr" anchorCtr="0"/>
                     <a:p>
-                      <a:pPr marL="0" marR="0" indent="0" algn="ctr" fontAlgn="ctr" latinLnBrk="0">
+                      <a:pPr marL="0" marR="0" indent="0" algn="ctr" latinLnBrk="0">
                         <a:lnSpc>
                           <a:spcPct val="100000"/>
                         </a:lnSpc>
@@ -10618,28 +10597,41 @@
                         <a:spcAft>
                           <a:spcPts val="0"/>
                         </a:spcAft>
+                        <a:defRPr/>
                       </a:pPr>
                       <a:r>
                         <a:rPr lang="ko-KR" altLang="en-US" sz="1600" kern="0" spc="0">
                           <a:solidFill>
-                            <a:srgbClr val="000000"/>
+                            <a:schemeClr val="dk2"/>
                           </a:solidFill>
-                          <a:effectLst/>
-                          <a:latin typeface="맑은 고딕" panose="020B0503020000020004" pitchFamily="50" charset="-127"/>
-                          <a:ea typeface="맑은 고딕" panose="020B0503020000020004" pitchFamily="50" charset="-127"/>
+                          <a:effectLst>
+                            <a:outerShdw blurRad="76200" dist="76200" dir="2700000" algn="ctr" rotWithShape="0">
+                              <a:srgbClr val="000000">
+                                <a:alpha val="50000"/>
+                              </a:srgbClr>
+                            </a:outerShdw>
+                          </a:effectLst>
+                          <a:latin typeface="맑은 고딕"/>
+                          <a:ea typeface="맑은 고딕"/>
                         </a:rPr>
                         <a:t>세션계층</a:t>
                       </a:r>
                       <a:endParaRPr lang="ko-KR" altLang="en-US" sz="1600" kern="0" spc="0">
                         <a:solidFill>
-                          <a:srgbClr val="000000"/>
+                          <a:schemeClr val="dk2"/>
                         </a:solidFill>
-                        <a:effectLst/>
-                        <a:latin typeface="맑은 고딕" panose="020B0503020000020004" pitchFamily="50" charset="-127"/>
+                        <a:effectLst>
+                          <a:outerShdw blurRad="76200" dist="76200" dir="2700000" algn="ctr" rotWithShape="0">
+                            <a:srgbClr val="000000">
+                              <a:alpha val="50000"/>
+                            </a:srgbClr>
+                          </a:outerShdw>
+                        </a:effectLst>
+                        <a:latin typeface="맑은 고딕"/>
                       </a:endParaRPr>
                     </a:p>
                   </a:txBody>
-                  <a:tcPr anchor="ctr">
+                  <a:tcPr marL="91440" marR="91440" anchor="ctr">
                     <a:lnL>
                       <a:noFill/>
                     </a:lnL>
@@ -10656,10 +10648,9 @@
                 </a:tc>
                 <a:tc>
                   <a:txBody>
-                    <a:bodyPr/>
-                    <a:lstStyle/>
+                    <a:bodyPr vert="horz" lIns="91440" tIns="45720" rIns="91440" bIns="45720" anchor="ctr" anchorCtr="0"/>
                     <a:p>
-                      <a:pPr marL="0" marR="0" indent="0" algn="l" fontAlgn="ctr" latinLnBrk="0">
+                      <a:pPr marL="0" marR="0" indent="0" algn="l" latinLnBrk="0">
                         <a:lnSpc>
                           <a:spcPct val="100000"/>
                         </a:lnSpc>
@@ -10669,105 +10660,161 @@
                         <a:spcAft>
                           <a:spcPts val="0"/>
                         </a:spcAft>
+                        <a:defRPr/>
                       </a:pPr>
                       <a:r>
-                        <a:rPr lang="ko-KR" altLang="en-US" sz="1600" kern="0" spc="0" dirty="0">
+                        <a:rPr lang="ko-KR" altLang="en-US" sz="1600" kern="0" spc="0">
                           <a:solidFill>
-                            <a:srgbClr val="000000"/>
+                            <a:schemeClr val="dk2"/>
                           </a:solidFill>
-                          <a:effectLst/>
-                          <a:latin typeface="맑은 고딕" panose="020B0503020000020004" pitchFamily="50" charset="-127"/>
-                          <a:ea typeface="맑은 고딕" panose="020B0503020000020004" pitchFamily="50" charset="-127"/>
+                          <a:effectLst>
+                            <a:outerShdw blurRad="76200" dist="76200" dir="2700000" algn="ctr" rotWithShape="0">
+                              <a:srgbClr val="000000">
+                                <a:alpha val="50000"/>
+                              </a:srgbClr>
+                            </a:outerShdw>
+                          </a:effectLst>
+                          <a:latin typeface="맑은 고딕"/>
+                          <a:ea typeface="맑은 고딕"/>
                         </a:rPr>
                         <a:t>네트워크 연결 성립</a:t>
                       </a:r>
                       <a:r>
-                        <a:rPr lang="en-US" altLang="ko-KR" sz="1600" kern="0" spc="0" dirty="0">
+                        <a:rPr lang="en-US" altLang="ko-KR" sz="1600" kern="0" spc="0">
                           <a:solidFill>
-                            <a:srgbClr val="000000"/>
+                            <a:schemeClr val="dk2"/>
                           </a:solidFill>
-                          <a:effectLst/>
-                          <a:latin typeface="맑은 고딕" panose="020B0503020000020004" pitchFamily="50" charset="-127"/>
-                          <a:ea typeface="맑은 고딕" panose="020B0503020000020004" pitchFamily="50" charset="-127"/>
+                          <a:effectLst>
+                            <a:outerShdw blurRad="76200" dist="76200" dir="2700000" algn="ctr" rotWithShape="0">
+                              <a:srgbClr val="000000">
+                                <a:alpha val="50000"/>
+                              </a:srgbClr>
+                            </a:outerShdw>
+                          </a:effectLst>
+                          <a:latin typeface="맑은 고딕"/>
+                          <a:ea typeface="맑은 고딕"/>
                         </a:rPr>
                         <a:t>, </a:t>
                       </a:r>
                       <a:r>
-                        <a:rPr lang="ko-KR" altLang="en-US" sz="1600" kern="0" spc="0" dirty="0">
+                        <a:rPr lang="ko-KR" altLang="en-US" sz="1600" kern="0" spc="0">
                           <a:solidFill>
-                            <a:srgbClr val="000000"/>
+                            <a:schemeClr val="dk2"/>
                           </a:solidFill>
-                          <a:effectLst/>
-                          <a:latin typeface="맑은 고딕" panose="020B0503020000020004" pitchFamily="50" charset="-127"/>
-                          <a:ea typeface="맑은 고딕" panose="020B0503020000020004" pitchFamily="50" charset="-127"/>
+                          <a:effectLst>
+                            <a:outerShdw blurRad="76200" dist="76200" dir="2700000" algn="ctr" rotWithShape="0">
+                              <a:srgbClr val="000000">
+                                <a:alpha val="50000"/>
+                              </a:srgbClr>
+                            </a:outerShdw>
+                          </a:effectLst>
+                          <a:latin typeface="맑은 고딕"/>
+                          <a:ea typeface="맑은 고딕"/>
                         </a:rPr>
                         <a:t>제어</a:t>
                       </a:r>
                       <a:r>
-                        <a:rPr lang="en-US" altLang="ko-KR" sz="1600" kern="0" spc="0" dirty="0">
+                        <a:rPr lang="en-US" altLang="ko-KR" sz="1600" kern="0" spc="0">
                           <a:solidFill>
-                            <a:srgbClr val="000000"/>
+                            <a:schemeClr val="dk2"/>
                           </a:solidFill>
-                          <a:effectLst/>
-                          <a:latin typeface="맑은 고딕" panose="020B0503020000020004" pitchFamily="50" charset="-127"/>
-                          <a:ea typeface="맑은 고딕" panose="020B0503020000020004" pitchFamily="50" charset="-127"/>
+                          <a:effectLst>
+                            <a:outerShdw blurRad="76200" dist="76200" dir="2700000" algn="ctr" rotWithShape="0">
+                              <a:srgbClr val="000000">
+                                <a:alpha val="50000"/>
+                              </a:srgbClr>
+                            </a:outerShdw>
+                          </a:effectLst>
+                          <a:latin typeface="맑은 고딕"/>
+                          <a:ea typeface="맑은 고딕"/>
                         </a:rPr>
                         <a:t>, </a:t>
                       </a:r>
                       <a:r>
-                        <a:rPr lang="ko-KR" altLang="en-US" sz="1600" kern="0" spc="0" dirty="0">
+                        <a:rPr lang="ko-KR" altLang="en-US" sz="1600" kern="0" spc="0">
                           <a:solidFill>
-                            <a:srgbClr val="000000"/>
+                            <a:schemeClr val="dk2"/>
                           </a:solidFill>
-                          <a:effectLst/>
-                          <a:latin typeface="맑은 고딕" panose="020B0503020000020004" pitchFamily="50" charset="-127"/>
-                          <a:ea typeface="맑은 고딕" panose="020B0503020000020004" pitchFamily="50" charset="-127"/>
+                          <a:effectLst>
+                            <a:outerShdw blurRad="76200" dist="76200" dir="2700000" algn="ctr" rotWithShape="0">
+                              <a:srgbClr val="000000">
+                                <a:alpha val="50000"/>
+                              </a:srgbClr>
+                            </a:outerShdw>
+                          </a:effectLst>
+                          <a:latin typeface="맑은 고딕"/>
+                          <a:ea typeface="맑은 고딕"/>
                         </a:rPr>
                         <a:t>관리</a:t>
                       </a:r>
                       <a:r>
-                        <a:rPr lang="en-US" altLang="ko-KR" sz="1600" kern="0" spc="0" dirty="0">
+                        <a:rPr lang="en-US" altLang="ko-KR" sz="1600" kern="0" spc="0">
                           <a:solidFill>
-                            <a:srgbClr val="000000"/>
+                            <a:schemeClr val="dk2"/>
                           </a:solidFill>
-                          <a:effectLst/>
-                          <a:latin typeface="맑은 고딕" panose="020B0503020000020004" pitchFamily="50" charset="-127"/>
-                          <a:ea typeface="맑은 고딕" panose="020B0503020000020004" pitchFamily="50" charset="-127"/>
+                          <a:effectLst>
+                            <a:outerShdw blurRad="76200" dist="76200" dir="2700000" algn="ctr" rotWithShape="0">
+                              <a:srgbClr val="000000">
+                                <a:alpha val="50000"/>
+                              </a:srgbClr>
+                            </a:outerShdw>
+                          </a:effectLst>
+                          <a:latin typeface="맑은 고딕"/>
+                          <a:ea typeface="맑은 고딕"/>
                         </a:rPr>
                         <a:t>, </a:t>
                       </a:r>
                       <a:r>
-                        <a:rPr lang="ko-KR" altLang="en-US" sz="1600" kern="0" spc="0" dirty="0" smtClean="0">
+                        <a:rPr lang="ko-KR" altLang="en-US" sz="1600" kern="0" spc="0">
                           <a:solidFill>
-                            <a:srgbClr val="000000"/>
+                            <a:schemeClr val="dk2"/>
                           </a:solidFill>
-                          <a:effectLst/>
-                          <a:latin typeface="맑은 고딕" panose="020B0503020000020004" pitchFamily="50" charset="-127"/>
-                          <a:ea typeface="맑은 고딕" panose="020B0503020000020004" pitchFamily="50" charset="-127"/>
+                          <a:effectLst>
+                            <a:outerShdw blurRad="76200" dist="76200" dir="2700000" algn="ctr" rotWithShape="0">
+                              <a:srgbClr val="000000">
+                                <a:alpha val="50000"/>
+                              </a:srgbClr>
+                            </a:outerShdw>
+                          </a:effectLst>
+                          <a:latin typeface="맑은 고딕"/>
+                          <a:ea typeface="맑은 고딕"/>
                         </a:rPr>
-                        <a:t>종료 등을 대화 단위로 </a:t>
+                        <a:t>종료 등을 대화 단위로 수행</a:t>
                       </a:r>
                       <a:r>
-                        <a:rPr lang="ko-KR" altLang="en-US" sz="1600" kern="0" spc="0" dirty="0">
+                        <a:rPr lang="en-US" altLang="ko-KR" sz="1600" kern="0" spc="0">
                           <a:solidFill>
-                            <a:srgbClr val="000000"/>
+                            <a:schemeClr val="dk2"/>
                           </a:solidFill>
-                          <a:effectLst/>
-                          <a:latin typeface="맑은 고딕" panose="020B0503020000020004" pitchFamily="50" charset="-127"/>
-                          <a:ea typeface="맑은 고딕" panose="020B0503020000020004" pitchFamily="50" charset="-127"/>
+                          <a:effectLst>
+                            <a:outerShdw blurRad="76200" dist="76200" dir="2700000" algn="ctr" rotWithShape="0">
+                              <a:srgbClr val="000000">
+                                <a:alpha val="50000"/>
+                              </a:srgbClr>
+                            </a:outerShdw>
+                          </a:effectLst>
+                          <a:latin typeface="맑은 고딕"/>
+                          <a:ea typeface="맑은 고딕"/>
                         </a:rPr>
-                        <a:t>수행</a:t>
+                        <a:t> (set)</a:t>
                       </a:r>
-                      <a:endParaRPr lang="ko-KR" altLang="en-US" sz="1600" kern="0" spc="0" dirty="0">
+                      <a:endParaRPr lang="en-US" altLang="ko-KR" sz="1600" kern="0" spc="0">
                         <a:solidFill>
-                          <a:srgbClr val="000000"/>
+                          <a:schemeClr val="dk2"/>
                         </a:solidFill>
-                        <a:effectLst/>
-                        <a:latin typeface="맑은 고딕" panose="020B0503020000020004" pitchFamily="50" charset="-127"/>
+                        <a:effectLst>
+                          <a:outerShdw blurRad="76200" dist="76200" dir="2700000" algn="ctr" rotWithShape="0">
+                            <a:srgbClr val="000000">
+                              <a:alpha val="50000"/>
+                            </a:srgbClr>
+                          </a:outerShdw>
+                        </a:effectLst>
+                        <a:latin typeface="맑은 고딕"/>
+                        <a:ea typeface="맑은 고딕"/>
                       </a:endParaRPr>
                     </a:p>
                   </a:txBody>
-                  <a:tcPr anchor="ctr">
+                  <a:tcPr marL="91440" marR="91440" anchor="ctr">
                     <a:lnL>
                       <a:noFill/>
                     </a:lnL>
@@ -10782,19 +10829,13 @@
                     </a:lnB>
                   </a:tcPr>
                 </a:tc>
-                <a:extLst>
-                  <a:ext uri="{0D108BD9-81ED-4DB2-BD59-A6C34878D82A}">
-                    <a16:rowId xmlns:a16="http://schemas.microsoft.com/office/drawing/2014/main" val="3701355374"/>
-                  </a:ext>
-                </a:extLst>
               </a:tr>
-              <a:tr h="388173">
+              <a:tr h="520489">
                 <a:tc>
                   <a:txBody>
-                    <a:bodyPr/>
-                    <a:lstStyle/>
+                    <a:bodyPr vert="horz" lIns="91440" tIns="45720" rIns="91440" bIns="45720" anchor="ctr" anchorCtr="0"/>
                     <a:p>
-                      <a:pPr marL="0" marR="0" indent="0" algn="ctr" fontAlgn="ctr" latinLnBrk="0">
+                      <a:pPr marL="0" marR="0" indent="0" algn="ctr" latinLnBrk="0">
                         <a:lnSpc>
                           <a:spcPct val="100000"/>
                         </a:lnSpc>
@@ -10804,6 +10845,7 @@
                         <a:spcAft>
                           <a:spcPts val="0"/>
                         </a:spcAft>
+                        <a:defRPr/>
                       </a:pPr>
                       <a:r>
                         <a:rPr lang="ko-KR" altLang="en-US" sz="1600" kern="0" spc="0">
@@ -10811,8 +10853,8 @@
                             <a:srgbClr val="000000"/>
                           </a:solidFill>
                           <a:effectLst/>
-                          <a:latin typeface="맑은 고딕" panose="020B0503020000020004" pitchFamily="50" charset="-127"/>
-                          <a:ea typeface="맑은 고딕" panose="020B0503020000020004" pitchFamily="50" charset="-127"/>
+                          <a:latin typeface="맑은 고딕"/>
+                          <a:ea typeface="맑은 고딕"/>
                         </a:rPr>
                         <a:t>전송계층</a:t>
                       </a:r>
@@ -10821,11 +10863,11 @@
                           <a:srgbClr val="000000"/>
                         </a:solidFill>
                         <a:effectLst/>
-                        <a:latin typeface="맑은 고딕" panose="020B0503020000020004" pitchFamily="50" charset="-127"/>
+                        <a:latin typeface="맑은 고딕"/>
                       </a:endParaRPr>
                     </a:p>
                   </a:txBody>
-                  <a:tcPr anchor="ctr">
+                  <a:tcPr marL="91440" marR="91440" anchor="ctr">
                     <a:lnL>
                       <a:noFill/>
                     </a:lnL>
@@ -10842,10 +10884,9 @@
                 </a:tc>
                 <a:tc>
                   <a:txBody>
-                    <a:bodyPr/>
-                    <a:lstStyle/>
+                    <a:bodyPr vert="horz" lIns="91440" tIns="45720" rIns="91440" bIns="45720" anchor="ctr" anchorCtr="0"/>
                     <a:p>
-                      <a:pPr marL="0" marR="0" indent="0" algn="l" fontAlgn="ctr" latinLnBrk="0">
+                      <a:pPr marL="0" marR="0" indent="0" algn="l" latinLnBrk="0">
                         <a:lnSpc>
                           <a:spcPct val="100000"/>
                         </a:lnSpc>
@@ -10855,28 +10896,29 @@
                         <a:spcAft>
                           <a:spcPts val="0"/>
                         </a:spcAft>
+                        <a:defRPr/>
                       </a:pPr>
                       <a:r>
-                        <a:rPr lang="ko-KR" altLang="en-US" sz="1600" kern="0" spc="0" dirty="0">
+                        <a:rPr lang="ko-KR" altLang="en-US" sz="1600" kern="0" spc="0">
                           <a:solidFill>
                             <a:srgbClr val="000000"/>
                           </a:solidFill>
                           <a:effectLst/>
-                          <a:latin typeface="맑은 고딕" panose="020B0503020000020004" pitchFamily="50" charset="-127"/>
-                          <a:ea typeface="맑은 고딕" panose="020B0503020000020004" pitchFamily="50" charset="-127"/>
+                          <a:latin typeface="맑은 고딕"/>
+                          <a:ea typeface="맑은 고딕"/>
                         </a:rPr>
                         <a:t>종단간 데이터 전송</a:t>
                       </a:r>
-                      <a:endParaRPr lang="ko-KR" altLang="en-US" sz="1600" kern="0" spc="0" dirty="0">
+                      <a:endParaRPr lang="ko-KR" altLang="en-US" sz="1600" kern="0" spc="0">
                         <a:solidFill>
                           <a:srgbClr val="000000"/>
                         </a:solidFill>
                         <a:effectLst/>
-                        <a:latin typeface="맑은 고딕" panose="020B0503020000020004" pitchFamily="50" charset="-127"/>
+                        <a:latin typeface="맑은 고딕"/>
                       </a:endParaRPr>
                     </a:p>
                   </a:txBody>
-                  <a:tcPr anchor="ctr">
+                  <a:tcPr marL="91440" marR="91440" anchor="ctr">
                     <a:lnL>
                       <a:noFill/>
                     </a:lnL>
@@ -10891,19 +10933,13 @@
                     </a:lnB>
                   </a:tcPr>
                 </a:tc>
-                <a:extLst>
-                  <a:ext uri="{0D108BD9-81ED-4DB2-BD59-A6C34878D82A}">
-                    <a16:rowId xmlns:a16="http://schemas.microsoft.com/office/drawing/2014/main" val="2263907984"/>
-                  </a:ext>
-                </a:extLst>
               </a:tr>
-              <a:tr h="388173">
+              <a:tr h="520489">
                 <a:tc>
                   <a:txBody>
-                    <a:bodyPr/>
-                    <a:lstStyle/>
+                    <a:bodyPr vert="horz" lIns="91440" tIns="45720" rIns="91440" bIns="45720" anchor="ctr" anchorCtr="0"/>
                     <a:p>
-                      <a:pPr marL="0" marR="0" indent="0" algn="ctr" fontAlgn="ctr" latinLnBrk="0">
+                      <a:pPr marL="0" marR="0" indent="0" algn="ctr" latinLnBrk="0">
                         <a:lnSpc>
                           <a:spcPct val="100000"/>
                         </a:lnSpc>
@@ -10913,6 +10949,7 @@
                         <a:spcAft>
                           <a:spcPts val="0"/>
                         </a:spcAft>
+                        <a:defRPr/>
                       </a:pPr>
                       <a:r>
                         <a:rPr lang="ko-KR" altLang="en-US" sz="1600" kern="0" spc="0">
@@ -10920,8 +10957,8 @@
                             <a:srgbClr val="000000"/>
                           </a:solidFill>
                           <a:effectLst/>
-                          <a:latin typeface="맑은 고딕" panose="020B0503020000020004" pitchFamily="50" charset="-127"/>
-                          <a:ea typeface="맑은 고딕" panose="020B0503020000020004" pitchFamily="50" charset="-127"/>
+                          <a:latin typeface="맑은 고딕"/>
+                          <a:ea typeface="맑은 고딕"/>
                         </a:rPr>
                         <a:t>네트워크계층</a:t>
                       </a:r>
@@ -10930,11 +10967,11 @@
                           <a:srgbClr val="000000"/>
                         </a:solidFill>
                         <a:effectLst/>
-                        <a:latin typeface="맑은 고딕" panose="020B0503020000020004" pitchFamily="50" charset="-127"/>
+                        <a:latin typeface="맑은 고딕"/>
                       </a:endParaRPr>
                     </a:p>
                   </a:txBody>
-                  <a:tcPr anchor="ctr">
+                  <a:tcPr marL="91440" marR="91440" anchor="ctr">
                     <a:lnL>
                       <a:noFill/>
                     </a:lnL>
@@ -10951,10 +10988,9 @@
                 </a:tc>
                 <a:tc>
                   <a:txBody>
-                    <a:bodyPr/>
-                    <a:lstStyle/>
+                    <a:bodyPr vert="horz" lIns="91440" tIns="45720" rIns="91440" bIns="45720" anchor="ctr" anchorCtr="0"/>
                     <a:p>
-                      <a:pPr marL="0" marR="0" indent="0" algn="l" fontAlgn="ctr" latinLnBrk="0">
+                      <a:pPr marL="0" marR="0" indent="0" algn="l" latinLnBrk="0">
                         <a:lnSpc>
                           <a:spcPct val="100000"/>
                         </a:lnSpc>
@@ -10964,6 +11000,7 @@
                         <a:spcAft>
                           <a:spcPts val="0"/>
                         </a:spcAft>
+                        <a:defRPr/>
                       </a:pPr>
                       <a:r>
                         <a:rPr lang="ko-KR" altLang="en-US" sz="1600" kern="0" spc="0">
@@ -10971,8 +11008,8 @@
                             <a:srgbClr val="000000"/>
                           </a:solidFill>
                           <a:effectLst/>
-                          <a:latin typeface="맑은 고딕" panose="020B0503020000020004" pitchFamily="50" charset="-127"/>
-                          <a:ea typeface="맑은 고딕" panose="020B0503020000020004" pitchFamily="50" charset="-127"/>
+                          <a:latin typeface="맑은 고딕"/>
+                          <a:ea typeface="맑은 고딕"/>
                         </a:rPr>
                         <a:t>데이터 전송 경로 설정</a:t>
                       </a:r>
@@ -10981,11 +11018,11 @@
                           <a:srgbClr val="000000"/>
                         </a:solidFill>
                         <a:effectLst/>
-                        <a:latin typeface="맑은 고딕" panose="020B0503020000020004" pitchFamily="50" charset="-127"/>
+                        <a:latin typeface="맑은 고딕"/>
                       </a:endParaRPr>
                     </a:p>
                   </a:txBody>
-                  <a:tcPr anchor="ctr">
+                  <a:tcPr marL="91440" marR="91440" anchor="ctr">
                     <a:lnL>
                       <a:noFill/>
                     </a:lnL>
@@ -11000,19 +11037,13 @@
                     </a:lnB>
                   </a:tcPr>
                 </a:tc>
-                <a:extLst>
-                  <a:ext uri="{0D108BD9-81ED-4DB2-BD59-A6C34878D82A}">
-                    <a16:rowId xmlns:a16="http://schemas.microsoft.com/office/drawing/2014/main" val="2046591637"/>
-                  </a:ext>
-                </a:extLst>
               </a:tr>
-              <a:tr h="388173">
+              <a:tr h="520489">
                 <a:tc>
                   <a:txBody>
-                    <a:bodyPr/>
-                    <a:lstStyle/>
+                    <a:bodyPr vert="horz" lIns="91440" tIns="45720" rIns="91440" bIns="45720" anchor="ctr" anchorCtr="0"/>
                     <a:p>
-                      <a:pPr marL="0" marR="0" indent="0" algn="ctr" fontAlgn="ctr" latinLnBrk="0">
+                      <a:pPr marL="0" marR="0" indent="0" algn="ctr" latinLnBrk="0">
                         <a:lnSpc>
                           <a:spcPct val="100000"/>
                         </a:lnSpc>
@@ -11022,6 +11053,7 @@
                         <a:spcAft>
                           <a:spcPts val="0"/>
                         </a:spcAft>
+                        <a:defRPr/>
                       </a:pPr>
                       <a:r>
                         <a:rPr lang="ko-KR" altLang="en-US" sz="1600" kern="0" spc="0">
@@ -11029,8 +11061,8 @@
                             <a:srgbClr val="000000"/>
                           </a:solidFill>
                           <a:effectLst/>
-                          <a:latin typeface="맑은 고딕" panose="020B0503020000020004" pitchFamily="50" charset="-127"/>
-                          <a:ea typeface="맑은 고딕" panose="020B0503020000020004" pitchFamily="50" charset="-127"/>
+                          <a:latin typeface="맑은 고딕"/>
+                          <a:ea typeface="맑은 고딕"/>
                         </a:rPr>
                         <a:t>데이터링크계층</a:t>
                       </a:r>
@@ -11039,11 +11071,11 @@
                           <a:srgbClr val="000000"/>
                         </a:solidFill>
                         <a:effectLst/>
-                        <a:latin typeface="맑은 고딕" panose="020B0503020000020004" pitchFamily="50" charset="-127"/>
+                        <a:latin typeface="맑은 고딕"/>
                       </a:endParaRPr>
                     </a:p>
                   </a:txBody>
-                  <a:tcPr anchor="ctr">
+                  <a:tcPr marL="91440" marR="91440" anchor="ctr">
                     <a:lnL>
                       <a:noFill/>
                     </a:lnL>
@@ -11060,10 +11092,9 @@
                 </a:tc>
                 <a:tc>
                   <a:txBody>
-                    <a:bodyPr/>
-                    <a:lstStyle/>
+                    <a:bodyPr vert="horz" lIns="91440" tIns="45720" rIns="91440" bIns="45720" anchor="ctr" anchorCtr="0"/>
                     <a:p>
-                      <a:pPr marL="0" marR="0" indent="0" algn="l" fontAlgn="ctr" latinLnBrk="0">
+                      <a:pPr marL="0" marR="0" indent="0" algn="l" latinLnBrk="0">
                         <a:lnSpc>
                           <a:spcPct val="100000"/>
                         </a:lnSpc>
@@ -11073,6 +11104,7 @@
                         <a:spcAft>
                           <a:spcPts val="0"/>
                         </a:spcAft>
+                        <a:defRPr/>
                       </a:pPr>
                       <a:r>
                         <a:rPr lang="ko-KR" altLang="en-US" sz="1600" kern="0" spc="0">
@@ -11080,8 +11112,8 @@
                             <a:srgbClr val="000000"/>
                           </a:solidFill>
                           <a:effectLst/>
-                          <a:latin typeface="맑은 고딕" panose="020B0503020000020004" pitchFamily="50" charset="-127"/>
-                          <a:ea typeface="맑은 고딕" panose="020B0503020000020004" pitchFamily="50" charset="-127"/>
+                          <a:latin typeface="맑은 고딕"/>
+                          <a:ea typeface="맑은 고딕"/>
                         </a:rPr>
                         <a:t>데이터 오류 검출 및 흐름 제어</a:t>
                       </a:r>
@@ -11090,11 +11122,11 @@
                           <a:srgbClr val="000000"/>
                         </a:solidFill>
                         <a:effectLst/>
-                        <a:latin typeface="맑은 고딕" panose="020B0503020000020004" pitchFamily="50" charset="-127"/>
+                        <a:latin typeface="맑은 고딕"/>
                       </a:endParaRPr>
                     </a:p>
                   </a:txBody>
-                  <a:tcPr anchor="ctr">
+                  <a:tcPr marL="91440" marR="91440" anchor="ctr">
                     <a:lnL>
                       <a:noFill/>
                     </a:lnL>
@@ -11109,19 +11141,13 @@
                     </a:lnB>
                   </a:tcPr>
                 </a:tc>
-                <a:extLst>
-                  <a:ext uri="{0D108BD9-81ED-4DB2-BD59-A6C34878D82A}">
-                    <a16:rowId xmlns:a16="http://schemas.microsoft.com/office/drawing/2014/main" val="1858834180"/>
-                  </a:ext>
-                </a:extLst>
               </a:tr>
-              <a:tr h="388173">
+              <a:tr h="520489">
                 <a:tc>
                   <a:txBody>
-                    <a:bodyPr/>
-                    <a:lstStyle/>
+                    <a:bodyPr vert="horz" lIns="91440" tIns="45720" rIns="91440" bIns="45720" anchor="ctr" anchorCtr="0"/>
                     <a:p>
-                      <a:pPr marL="0" marR="0" indent="0" algn="ctr" fontAlgn="ctr" latinLnBrk="0">
+                      <a:pPr marL="0" marR="0" indent="0" algn="ctr" latinLnBrk="0">
                         <a:lnSpc>
                           <a:spcPct val="100000"/>
                         </a:lnSpc>
@@ -11131,6 +11157,7 @@
                         <a:spcAft>
                           <a:spcPts val="0"/>
                         </a:spcAft>
+                        <a:defRPr/>
                       </a:pPr>
                       <a:r>
                         <a:rPr lang="ko-KR" altLang="en-US" sz="1600" kern="0" spc="0">
@@ -11138,8 +11165,8 @@
                             <a:srgbClr val="000000"/>
                           </a:solidFill>
                           <a:effectLst/>
-                          <a:latin typeface="맑은 고딕" panose="020B0503020000020004" pitchFamily="50" charset="-127"/>
-                          <a:ea typeface="맑은 고딕" panose="020B0503020000020004" pitchFamily="50" charset="-127"/>
+                          <a:latin typeface="맑은 고딕"/>
+                          <a:ea typeface="맑은 고딕"/>
                         </a:rPr>
                         <a:t>물리계층</a:t>
                       </a:r>
@@ -11148,11 +11175,11 @@
                           <a:srgbClr val="000000"/>
                         </a:solidFill>
                         <a:effectLst/>
-                        <a:latin typeface="맑은 고딕" panose="020B0503020000020004" pitchFamily="50" charset="-127"/>
+                        <a:latin typeface="맑은 고딕"/>
                       </a:endParaRPr>
                     </a:p>
                   </a:txBody>
-                  <a:tcPr anchor="ctr">
+                  <a:tcPr marL="91440" marR="91440" anchor="ctr">
                     <a:lnL>
                       <a:noFill/>
                     </a:lnL>
@@ -11169,10 +11196,9 @@
                 </a:tc>
                 <a:tc>
                   <a:txBody>
-                    <a:bodyPr/>
-                    <a:lstStyle/>
+                    <a:bodyPr vert="horz" lIns="91440" tIns="45720" rIns="91440" bIns="45720" anchor="ctr" anchorCtr="0"/>
                     <a:p>
-                      <a:pPr marL="0" marR="0" indent="0" algn="l" fontAlgn="ctr" latinLnBrk="0">
+                      <a:pPr marL="0" marR="0" indent="0" algn="l" latinLnBrk="0">
                         <a:lnSpc>
                           <a:spcPct val="100000"/>
                         </a:lnSpc>
@@ -11182,28 +11208,29 @@
                         <a:spcAft>
                           <a:spcPts val="0"/>
                         </a:spcAft>
+                        <a:defRPr/>
                       </a:pPr>
                       <a:r>
-                        <a:rPr lang="ko-KR" altLang="en-US" sz="1600" kern="0" spc="0" dirty="0">
+                        <a:rPr lang="ko-KR" altLang="en-US" sz="1600" kern="0" spc="0">
                           <a:solidFill>
                             <a:srgbClr val="000000"/>
                           </a:solidFill>
                           <a:effectLst/>
-                          <a:latin typeface="맑은 고딕" panose="020B0503020000020004" pitchFamily="50" charset="-127"/>
-                          <a:ea typeface="맑은 고딕" panose="020B0503020000020004" pitchFamily="50" charset="-127"/>
+                          <a:latin typeface="맑은 고딕"/>
+                          <a:ea typeface="맑은 고딕"/>
                         </a:rPr>
                         <a:t>데이터를 전기적 신호로 변환</a:t>
                       </a:r>
-                      <a:endParaRPr lang="ko-KR" altLang="en-US" sz="1600" kern="0" spc="0" dirty="0">
+                      <a:endParaRPr lang="ko-KR" altLang="en-US" sz="1600" kern="0" spc="0">
                         <a:solidFill>
                           <a:srgbClr val="000000"/>
                         </a:solidFill>
                         <a:effectLst/>
-                        <a:latin typeface="맑은 고딕" panose="020B0503020000020004" pitchFamily="50" charset="-127"/>
+                        <a:latin typeface="맑은 고딕"/>
                       </a:endParaRPr>
                     </a:p>
                   </a:txBody>
-                  <a:tcPr anchor="ctr">
+                  <a:tcPr marL="91440" marR="91440" anchor="ctr">
                     <a:lnL>
                       <a:noFill/>
                     </a:lnL>
@@ -11218,32 +11245,22 @@
                     </a:lnB>
                   </a:tcPr>
                 </a:tc>
-                <a:extLst>
-                  <a:ext uri="{0D108BD9-81ED-4DB2-BD59-A6C34878D82A}">
-                    <a16:rowId xmlns:a16="http://schemas.microsoft.com/office/drawing/2014/main" val="2805406245"/>
-                  </a:ext>
-                </a:extLst>
               </a:tr>
             </a:tbl>
           </a:graphicData>
         </a:graphic>
       </p:graphicFrame>
     </p:spTree>
-    <p:extLst>
-      <p:ext uri="{BB962C8B-B14F-4D97-AF65-F5344CB8AC3E}">
-        <p14:creationId xmlns:p14="http://schemas.microsoft.com/office/powerpoint/2010/main" val="1523401156"/>
-      </p:ext>
-    </p:extLst>
   </p:cSld>
   <p:clrMapOvr>
     <a:masterClrMapping/>
   </p:clrMapOvr>
-  <mc:AlternateContent xmlns:mc="http://schemas.openxmlformats.org/markup-compatibility/2006" xmlns:p14="http://schemas.microsoft.com/office/powerpoint/2010/main">
-    <mc:Choice Requires="p14">
-      <p:transition spd="slow" p14:dur="2000"/>
+  <mc:AlternateContent xmlns:mc="http://schemas.openxmlformats.org/markup-compatibility/2006">
+    <mc:Choice xmlns:p14="http://schemas.microsoft.com/office/powerpoint/2010/main" Requires="p14">
+      <p:transition xmlns:mc="http://schemas.openxmlformats.org/markup-compatibility/2006" xmlns:p14="http://schemas.microsoft.com/office/powerpoint/2010/main" spd="med" mc:Ignorable="p14" p14:dur="2000"/>
     </mc:Choice>
-    <mc:Fallback xmlns="">
-      <p:transition spd="slow"/>
+    <mc:Fallback>
+      <p:transition/>
     </mc:Fallback>
   </mc:AlternateContent>
   <p:timing>
@@ -11516,41 +11533,41 @@
 </file>
 
 <file path=ppt/theme/theme1.xml><?xml version="1.0" encoding="utf-8"?>
-<a:theme xmlns:a="http://schemas.openxmlformats.org/drawingml/2006/main" name="2_디자인 사용자 지정">
+<a:theme xmlns:r="http://schemas.openxmlformats.org/officeDocument/2006/relationships" xmlns:c="http://schemas.openxmlformats.org/drawingml/2006/chart" xmlns:dgm="http://schemas.openxmlformats.org/drawingml/2006/diagram" xmlns:dsp="http://schemas.microsoft.com/office/drawing/2008/diagram" xmlns:a="http://schemas.openxmlformats.org/drawingml/2006/main" xmlns:pic="http://schemas.openxmlformats.org/drawingml/2006/picture" xmlns:wp="http://schemas.openxmlformats.org/drawingml/2006/wordprocessingDrawing" xmlns:xdr="http://schemas.openxmlformats.org/drawingml/2006/spreadsheetDrawing" xmlns:lc="http://schemas.openxmlformats.org/drawingml/2006/lockedCanvas" xmlns:p="http://schemas.openxmlformats.org/presentationml/2006/main" name="2_디자인 사용자 지정">
   <a:themeElements>
     <a:clrScheme name="Office">
       <a:dk1>
         <a:sysClr val="windowText" lastClr="000000"/>
       </a:dk1>
       <a:lt1>
-        <a:sysClr val="window" lastClr="FFFFFF"/>
+        <a:sysClr val="window" lastClr="ffffff"/>
       </a:lt1>
       <a:dk2>
-        <a:srgbClr val="1F497D"/>
+        <a:srgbClr val="1f497d"/>
       </a:dk2>
       <a:lt2>
-        <a:srgbClr val="EEECE1"/>
+        <a:srgbClr val="eeece1"/>
       </a:lt2>
       <a:accent1>
-        <a:srgbClr val="4F81BD"/>
+        <a:srgbClr val="4f81bd"/>
       </a:accent1>
       <a:accent2>
-        <a:srgbClr val="C0504D"/>
+        <a:srgbClr val="c0504d"/>
       </a:accent2>
       <a:accent3>
-        <a:srgbClr val="9BBB59"/>
+        <a:srgbClr val="9bbb59"/>
       </a:accent3>
       <a:accent4>
-        <a:srgbClr val="8064A2"/>
+        <a:srgbClr val="8064a2"/>
       </a:accent4>
       <a:accent5>
-        <a:srgbClr val="4BACC6"/>
+        <a:srgbClr val="4bacc6"/>
       </a:accent5>
       <a:accent6>
-        <a:srgbClr val="F79646"/>
+        <a:srgbClr val="f79646"/>
       </a:accent6>
       <a:hlink>
-        <a:srgbClr val="0000FF"/>
+        <a:srgbClr val="0000ff"/>
       </a:hlink>
       <a:folHlink>
         <a:srgbClr val="800080"/>
@@ -11561,9 +11578,9 @@
         <a:latin typeface="맑은 고딕"/>
         <a:ea typeface=""/>
         <a:cs typeface=""/>
-        <a:font script="Jpan" typeface="ＭＳ Ｐゴシック"/>
+        <a:font script="Jpan" typeface="MS PGothic"/>
         <a:font script="Hang" typeface="맑은 고딕"/>
-        <a:font script="Hans" typeface="宋体"/>
+        <a:font script="Hans" typeface="SimSun"/>
         <a:font script="Hant" typeface="新細明體"/>
         <a:font script="Arab" typeface="Times New Roman"/>
         <a:font script="Hebr" typeface="Times New Roman"/>
@@ -11595,9 +11612,9 @@
         <a:latin typeface="맑은 고딕"/>
         <a:ea typeface=""/>
         <a:cs typeface=""/>
-        <a:font script="Jpan" typeface="ＭＳ Ｐゴシック"/>
+        <a:font script="Jpan" typeface="MS PGothic"/>
         <a:font script="Hang" typeface="맑은 고딕"/>
-        <a:font script="Hans" typeface="宋体"/>
+        <a:font script="Hans" typeface="SimSun"/>
         <a:font script="Hant" typeface="新細明體"/>
         <a:font script="Arab" typeface="Arial"/>
         <a:font script="Hebr" typeface="Arial"/>
@@ -11799,7 +11816,7 @@
         <a:noFill/>
         <a:ln>
           <a:solidFill>
-            <a:srgbClr val="FF0000"/>
+            <a:srgbClr val="ff0000"/>
           </a:solidFill>
         </a:ln>
       </a:spPr>
@@ -11830,7 +11847,7 @@
       <a:spPr>
         <a:ln>
           <a:solidFill>
-            <a:srgbClr val="FF0000"/>
+            <a:srgbClr val="ff0000"/>
           </a:solidFill>
           <a:tailEnd type="triangle"/>
         </a:ln>
@@ -11863,55 +11880,54 @@
         <a:defPPr>
           <a:defRPr sz="2400" dirty="0" smtClean="0">
             <a:solidFill>
-              <a:srgbClr val="FF0000"/>
+              <a:srgbClr val="ff0000"/>
             </a:solidFill>
-            <a:latin typeface="HY얕은샘물M" panose="02030600000101010101" pitchFamily="18" charset="-127"/>
-            <a:ea typeface="HY얕은샘물M" panose="02030600000101010101" pitchFamily="18" charset="-127"/>
+            <a:latin typeface="HY얕은샘물M"/>
+            <a:ea typeface="HY얕은샘물M"/>
           </a:defRPr>
         </a:defPPr>
       </a:lstStyle>
     </a:txDef>
   </a:objectDefaults>
-  <a:extraClrSchemeLst/>
 </a:theme>
 </file>
 
 <file path=ppt/theme/theme2.xml><?xml version="1.0" encoding="utf-8"?>
-<a:theme xmlns:a="http://schemas.openxmlformats.org/drawingml/2006/main" name="Office 테마">
+<a:theme xmlns:r="http://schemas.openxmlformats.org/officeDocument/2006/relationships" xmlns:c="http://schemas.openxmlformats.org/drawingml/2006/chart" xmlns:dgm="http://schemas.openxmlformats.org/drawingml/2006/diagram" xmlns:dsp="http://schemas.microsoft.com/office/drawing/2008/diagram" xmlns:a="http://schemas.openxmlformats.org/drawingml/2006/main" xmlns:pic="http://schemas.openxmlformats.org/drawingml/2006/picture" xmlns:wp="http://schemas.openxmlformats.org/drawingml/2006/wordprocessingDrawing" xmlns:xdr="http://schemas.openxmlformats.org/drawingml/2006/spreadsheetDrawing" xmlns:lc="http://schemas.openxmlformats.org/drawingml/2006/lockedCanvas" xmlns:p="http://schemas.openxmlformats.org/presentationml/2006/main" name="Office 테마">
   <a:themeElements>
     <a:clrScheme name="Office">
       <a:dk1>
         <a:sysClr val="windowText" lastClr="000000"/>
       </a:dk1>
       <a:lt1>
-        <a:sysClr val="window" lastClr="FFFFFF"/>
+        <a:sysClr val="window" lastClr="ffffff"/>
       </a:lt1>
       <a:dk2>
-        <a:srgbClr val="1F497D"/>
+        <a:srgbClr val="1f497d"/>
       </a:dk2>
       <a:lt2>
-        <a:srgbClr val="EEECE1"/>
+        <a:srgbClr val="eeece1"/>
       </a:lt2>
       <a:accent1>
-        <a:srgbClr val="4F81BD"/>
+        <a:srgbClr val="4f81bd"/>
       </a:accent1>
       <a:accent2>
-        <a:srgbClr val="C0504D"/>
+        <a:srgbClr val="c0504d"/>
       </a:accent2>
       <a:accent3>
-        <a:srgbClr val="9BBB59"/>
+        <a:srgbClr val="9bbb59"/>
       </a:accent3>
       <a:accent4>
-        <a:srgbClr val="8064A2"/>
+        <a:srgbClr val="8064a2"/>
       </a:accent4>
       <a:accent5>
-        <a:srgbClr val="4BACC6"/>
+        <a:srgbClr val="4bacc6"/>
       </a:accent5>
       <a:accent6>
-        <a:srgbClr val="F79646"/>
+        <a:srgbClr val="f79646"/>
       </a:accent6>
       <a:hlink>
-        <a:srgbClr val="0000FF"/>
+        <a:srgbClr val="0000ff"/>
       </a:hlink>
       <a:folHlink>
         <a:srgbClr val="800080"/>
@@ -11922,9 +11938,9 @@
         <a:latin typeface="맑은 고딕"/>
         <a:ea typeface=""/>
         <a:cs typeface=""/>
-        <a:font script="Jpan" typeface="ＭＳ Ｐゴシック"/>
+        <a:font script="Jpan" typeface="MS PGothic"/>
         <a:font script="Hang" typeface="맑은 고딕"/>
-        <a:font script="Hans" typeface="宋体"/>
+        <a:font script="Hans" typeface="SimSun"/>
         <a:font script="Hant" typeface="新細明體"/>
         <a:font script="Arab" typeface="Times New Roman"/>
         <a:font script="Hebr" typeface="Times New Roman"/>
@@ -11956,9 +11972,9 @@
         <a:latin typeface="맑은 고딕"/>
         <a:ea typeface=""/>
         <a:cs typeface=""/>
-        <a:font script="Jpan" typeface="ＭＳ Ｐゴシック"/>
+        <a:font script="Jpan" typeface="MS PGothic"/>
         <a:font script="Hang" typeface="맑은 고딕"/>
-        <a:font script="Hans" typeface="宋体"/>
+        <a:font script="Hans" typeface="SimSun"/>
         <a:font script="Hant" typeface="新細明體"/>
         <a:font script="Arab" typeface="Arial"/>
         <a:font script="Hebr" typeface="Arial"/>
@@ -12154,20 +12170,18 @@
       </a:bgFillStyleLst>
     </a:fmtScheme>
   </a:themeElements>
-  <a:objectDefaults/>
-  <a:extraClrSchemeLst/>
 </a:theme>
 </file>
 
 <file path=ppt/theme/theme3.xml><?xml version="1.0" encoding="utf-8"?>
-<a:theme xmlns:a="http://schemas.openxmlformats.org/drawingml/2006/main" name="Office 테마">
+<a:theme xmlns:r="http://schemas.openxmlformats.org/officeDocument/2006/relationships" xmlns:c="http://schemas.openxmlformats.org/drawingml/2006/chart" xmlns:dgm="http://schemas.openxmlformats.org/drawingml/2006/diagram" xmlns:dsp="http://schemas.microsoft.com/office/drawing/2008/diagram" xmlns:a="http://schemas.openxmlformats.org/drawingml/2006/main" xmlns:pic="http://schemas.openxmlformats.org/drawingml/2006/picture" xmlns:wp="http://schemas.openxmlformats.org/drawingml/2006/wordprocessingDrawing" xmlns:xdr="http://schemas.openxmlformats.org/drawingml/2006/spreadsheetDrawing" xmlns:lc="http://schemas.openxmlformats.org/drawingml/2006/lockedCanvas" xmlns:p="http://schemas.openxmlformats.org/presentationml/2006/main" name="Office 테마">
   <a:themeElements>
     <a:clrScheme name="">
       <a:dk1>
         <a:srgbClr val="000000"/>
       </a:dk1>
       <a:lt1>
-        <a:srgbClr val="FFFFFF"/>
+        <a:srgbClr val="ffffff"/>
       </a:lt1>
       <a:dk2>
         <a:srgbClr val="000000"/>
@@ -12176,28 +12190,28 @@
         <a:srgbClr val="808080"/>
       </a:lt2>
       <a:accent1>
-        <a:srgbClr val="BBE0E3"/>
+        <a:srgbClr val="bbe0e3"/>
       </a:accent1>
       <a:accent2>
         <a:srgbClr val="333399"/>
       </a:accent2>
       <a:accent3>
-        <a:srgbClr val="FFFFFF"/>
+        <a:srgbClr val="ffffff"/>
       </a:accent3>
       <a:accent4>
         <a:srgbClr val="000000"/>
       </a:accent4>
       <a:accent5>
-        <a:srgbClr val="DAEDEF"/>
+        <a:srgbClr val="daedef"/>
       </a:accent5>
       <a:accent6>
-        <a:srgbClr val="2D2D8A"/>
+        <a:srgbClr val="2d2d8a"/>
       </a:accent6>
       <a:hlink>
         <a:srgbClr val="009999"/>
       </a:hlink>
       <a:folHlink>
-        <a:srgbClr val="99CC00"/>
+        <a:srgbClr val="99cc00"/>
       </a:folHlink>
     </a:clrScheme>
     <a:fontScheme name="Office">
@@ -12205,9 +12219,9 @@
         <a:latin typeface="맑은 고딕"/>
         <a:ea typeface=""/>
         <a:cs typeface=""/>
-        <a:font script="Jpan" typeface="ＭＳ Ｐゴシック"/>
+        <a:font script="Jpan" typeface="MS PGothic"/>
         <a:font script="Hang" typeface="맑은 고딕"/>
-        <a:font script="Hans" typeface="宋体"/>
+        <a:font script="Hans" typeface="SimSun"/>
         <a:font script="Hant" typeface="新細明體"/>
         <a:font script="Arab" typeface="Times New Roman"/>
         <a:font script="Hebr" typeface="Times New Roman"/>
@@ -12239,9 +12253,9 @@
         <a:latin typeface="맑은 고딕"/>
         <a:ea typeface=""/>
         <a:cs typeface=""/>
-        <a:font script="Jpan" typeface="ＭＳ Ｐゴシック"/>
+        <a:font script="Jpan" typeface="MS PGothic"/>
         <a:font script="Hang" typeface="맑은 고딕"/>
-        <a:font script="Hans" typeface="宋体"/>
+        <a:font script="Hans" typeface="SimSun"/>
         <a:font script="Hant" typeface="新細明體"/>
         <a:font script="Arab" typeface="Arial"/>
         <a:font script="Hebr" typeface="Arial"/>
@@ -12437,7 +12451,5 @@
       </a:bgFillStyleLst>
     </a:fmtScheme>
   </a:themeElements>
-  <a:objectDefaults/>
-  <a:extraClrSchemeLst/>
 </a:theme>
 </file>